--- a/eece2160/f16/lectures/eece.2160f16_lec15_functions_p2.pptx
+++ b/eece2160/f16/lectures/eece.2160f16_lec15_functions_p2.pptx
@@ -5,20 +5,22 @@
     <p:sldMasterId id="2147483792" r:id="rId1"/>
   </p:sldMasterIdLst>
   <p:notesMasterIdLst>
-    <p:notesMasterId r:id="rId10"/>
+    <p:notesMasterId r:id="rId12"/>
   </p:notesMasterIdLst>
   <p:handoutMasterIdLst>
-    <p:handoutMasterId r:id="rId11"/>
+    <p:handoutMasterId r:id="rId13"/>
   </p:handoutMasterIdLst>
   <p:sldIdLst>
     <p:sldId id="256" r:id="rId2"/>
     <p:sldId id="422" r:id="rId3"/>
     <p:sldId id="523" r:id="rId4"/>
-    <p:sldId id="519" r:id="rId5"/>
-    <p:sldId id="520" r:id="rId6"/>
-    <p:sldId id="521" r:id="rId7"/>
-    <p:sldId id="522" r:id="rId8"/>
-    <p:sldId id="447" r:id="rId9"/>
+    <p:sldId id="524" r:id="rId5"/>
+    <p:sldId id="525" r:id="rId6"/>
+    <p:sldId id="519" r:id="rId7"/>
+    <p:sldId id="520" r:id="rId8"/>
+    <p:sldId id="521" r:id="rId9"/>
+    <p:sldId id="522" r:id="rId10"/>
+    <p:sldId id="447" r:id="rId11"/>
   </p:sldIdLst>
   <p:sldSz cx="9144000" cy="6858000" type="screen4x3"/>
   <p:notesSz cx="9144000" cy="6858000"/>
@@ -545,7 +547,7 @@
             <a:tailEnd/>
           </a:ln>
           <a:extLst>
-            <a:ext uri="{909E8E84-426E-40dd-AFC4-6F175D3DCCD1}">
+            <a:ext uri="{909E8E84-426E-40DD-AFC4-6F175D3DCCD1}">
               <a14:hiddenFill xmlns:a14="http://schemas.microsoft.com/office/drawing/2010/main">
                 <a:solidFill>
                   <a:srgbClr val="FFFFFF"/>
@@ -553,7 +555,7 @@
               </a14:hiddenFill>
             </a:ext>
             <a:ext uri="{FAA26D3D-D897-4be2-8F04-BA451C77F1D7}">
-              <ma14:placeholderFlag xmlns:ma14="http://schemas.microsoft.com/office/mac/drawingml/2011/main" val="1"/>
+              <ma14:placeholderFlag xmlns:ma14="http://schemas.microsoft.com/office/mac/drawingml/2011/main" xmlns="" val="1"/>
             </a:ext>
           </a:extLst>
         </p:spPr>
@@ -899,14 +901,14 @@
           <a:noFill/>
           <a:ln/>
           <a:extLst>
-            <a:ext uri="{909E8E84-426E-40dd-AFC4-6F175D3DCCD1}">
+            <a:ext uri="{909E8E84-426E-40DD-AFC4-6F175D3DCCD1}">
               <a14:hiddenFill xmlns:a14="http://schemas.microsoft.com/office/drawing/2010/main">
                 <a:solidFill>
                   <a:srgbClr val="FFFFFF"/>
                 </a:solidFill>
               </a14:hiddenFill>
             </a:ext>
-            <a:ext uri="{91240B29-F687-4f45-9708-019B960494DF}">
+            <a:ext uri="{91240B29-F687-4F45-9708-019B960494DF}">
               <a14:hiddenLine xmlns:a14="http://schemas.microsoft.com/office/drawing/2010/main" w="9525">
                 <a:solidFill>
                   <a:srgbClr val="000000"/>
@@ -1067,14 +1069,14 @@
           <a:noFill/>
           <a:ln/>
           <a:extLst>
-            <a:ext uri="{909E8E84-426E-40dd-AFC4-6F175D3DCCD1}">
+            <a:ext uri="{909E8E84-426E-40DD-AFC4-6F175D3DCCD1}">
               <a14:hiddenFill xmlns:a14="http://schemas.microsoft.com/office/drawing/2010/main">
                 <a:solidFill>
                   <a:srgbClr val="FFFFFF"/>
                 </a:solidFill>
               </a14:hiddenFill>
             </a:ext>
-            <a:ext uri="{91240B29-F687-4f45-9708-019B960494DF}">
+            <a:ext uri="{91240B29-F687-4F45-9708-019B960494DF}">
               <a14:hiddenLine xmlns:a14="http://schemas.microsoft.com/office/drawing/2010/main" w="9525">
                 <a:solidFill>
                   <a:srgbClr val="000000"/>
@@ -1085,7 +1087,7 @@
               </a14:hiddenLine>
             </a:ext>
             <a:ext uri="{FAA26D3D-D897-4be2-8F04-BA451C77F1D7}">
-              <ma14:placeholderFlag xmlns:ma14="http://schemas.microsoft.com/office/mac/drawingml/2011/main" val="1"/>
+              <ma14:placeholderFlag xmlns:ma14="http://schemas.microsoft.com/office/mac/drawingml/2011/main" xmlns="" val="1"/>
             </a:ext>
           </a:extLst>
         </p:spPr>
@@ -1187,7 +1189,7 @@
             <a:tailEnd/>
           </a:ln>
           <a:extLst>
-            <a:ext uri="{909E8E84-426E-40dd-AFC4-6F175D3DCCD1}">
+            <a:ext uri="{909E8E84-426E-40DD-AFC4-6F175D3DCCD1}">
               <a14:hiddenFill xmlns:a14="http://schemas.microsoft.com/office/drawing/2010/main">
                 <a:solidFill>
                   <a:srgbClr val="FFFFFF"/>
@@ -1230,7 +1232,7 @@
             <a:tailEnd/>
           </a:ln>
           <a:extLst>
-            <a:ext uri="{909E8E84-426E-40dd-AFC4-6F175D3DCCD1}">
+            <a:ext uri="{909E8E84-426E-40DD-AFC4-6F175D3DCCD1}">
               <a14:hiddenFill xmlns:a14="http://schemas.microsoft.com/office/drawing/2010/main">
                 <a:noFill/>
               </a14:hiddenFill>
@@ -1333,7 +1335,7 @@
             </a:pPr>
             <a:fld id="{F7F094C3-62A3-3D4C-A8AF-D7826173CEB9}" type="datetime1">
               <a:rPr lang="en-US" smtClean="0"/>
-              <a:t>10/6/16</a:t>
+              <a:t>10/11/2016</a:t>
             </a:fld>
             <a:endParaRPr lang="en-US"/>
           </a:p>
@@ -1538,7 +1540,7 @@
             </a:pPr>
             <a:fld id="{77B2E9F1-2FAA-A445-B1FE-3323E4A32157}" type="datetime1">
               <a:rPr lang="en-US" smtClean="0"/>
-              <a:t>10/6/16</a:t>
+              <a:t>10/11/2016</a:t>
             </a:fld>
             <a:endParaRPr lang="en-US"/>
           </a:p>
@@ -1752,7 +1754,7 @@
             </a:pPr>
             <a:fld id="{7AECDD77-E465-6F43-8F10-298C87E132D2}" type="datetime1">
               <a:rPr lang="en-US" smtClean="0"/>
-              <a:t>10/6/16</a:t>
+              <a:t>10/11/2016</a:t>
             </a:fld>
             <a:endParaRPr lang="en-US"/>
           </a:p>
@@ -2023,7 +2025,7 @@
             </a:pPr>
             <a:fld id="{C1B7812F-A985-A640-A5D9-F9747F4C0E3D}" type="datetime1">
               <a:rPr lang="en-US" smtClean="0"/>
-              <a:t>10/6/16</a:t>
+              <a:t>10/11/2016</a:t>
             </a:fld>
             <a:endParaRPr lang="en-US"/>
           </a:p>
@@ -2294,7 +2296,7 @@
             </a:pPr>
             <a:fld id="{7AC5DE1B-70B5-9C4C-9C86-3A9828025FD2}" type="datetime1">
               <a:rPr lang="en-US" smtClean="0"/>
-              <a:t>10/6/16</a:t>
+              <a:t>10/11/2016</a:t>
             </a:fld>
             <a:endParaRPr lang="en-US"/>
           </a:p>
@@ -2498,7 +2500,7 @@
             </a:pPr>
             <a:fld id="{97E29F67-C7AB-1249-AA40-49F625492DEC}" type="datetime1">
               <a:rPr lang="en-US" smtClean="0"/>
-              <a:t>10/6/16</a:t>
+              <a:t>10/11/2016</a:t>
             </a:fld>
             <a:endParaRPr lang="en-US"/>
           </a:p>
@@ -2724,7 +2726,7 @@
             </a:pPr>
             <a:fld id="{995101FD-3D27-8A4A-BFF4-51D68A76276A}" type="datetime1">
               <a:rPr lang="en-US" smtClean="0"/>
-              <a:t>10/6/16</a:t>
+              <a:t>10/11/2016</a:t>
             </a:fld>
             <a:endParaRPr lang="en-US"/>
           </a:p>
@@ -3046,7 +3048,7 @@
             </a:pPr>
             <a:fld id="{6459B4EF-080F-F84E-9622-E03F64B0BCEB}" type="datetime1">
               <a:rPr lang="en-US" smtClean="0"/>
-              <a:t>10/6/16</a:t>
+              <a:t>10/11/2016</a:t>
             </a:fld>
             <a:endParaRPr lang="en-US"/>
           </a:p>
@@ -3507,7 +3509,7 @@
             </a:pPr>
             <a:fld id="{455BB050-9885-DA49-822B-CF15BD30660C}" type="datetime1">
               <a:rPr lang="en-US" smtClean="0"/>
-              <a:t>10/6/16</a:t>
+              <a:t>10/11/2016</a:t>
             </a:fld>
             <a:endParaRPr lang="en-US"/>
           </a:p>
@@ -3659,7 +3661,7 @@
             </a:pPr>
             <a:fld id="{1762726E-7BBF-B44A-8ACF-A56A3A39F0B3}" type="datetime1">
               <a:rPr lang="en-US" smtClean="0"/>
-              <a:t>10/6/16</a:t>
+              <a:t>10/11/2016</a:t>
             </a:fld>
             <a:endParaRPr lang="en-US"/>
           </a:p>
@@ -3788,7 +3790,7 @@
             </a:pPr>
             <a:fld id="{04EB7BFE-4247-A84F-B07D-933DBC342D2E}" type="datetime1">
               <a:rPr lang="en-US" smtClean="0"/>
-              <a:t>10/6/16</a:t>
+              <a:t>10/11/2016</a:t>
             </a:fld>
             <a:endParaRPr lang="en-US"/>
           </a:p>
@@ -4099,7 +4101,7 @@
             </a:pPr>
             <a:fld id="{3F69892B-DEFA-5B45-B2EB-143241332759}" type="datetime1">
               <a:rPr lang="en-US" smtClean="0"/>
-              <a:t>10/6/16</a:t>
+              <a:t>10/11/2016</a:t>
             </a:fld>
             <a:endParaRPr lang="en-US"/>
           </a:p>
@@ -4387,7 +4389,7 @@
             </a:pPr>
             <a:fld id="{F4FA2ADA-A6D2-1B42-8164-7BFA8FB09CBA}" type="datetime1">
               <a:rPr lang="en-US" smtClean="0"/>
-              <a:t>10/6/16</a:t>
+              <a:t>10/11/2016</a:t>
             </a:fld>
             <a:endParaRPr lang="en-US"/>
           </a:p>
@@ -4521,14 +4523,14 @@
             <a:noFill/>
           </a:ln>
           <a:extLst>
-            <a:ext uri="{909E8E84-426E-40dd-AFC4-6F175D3DCCD1}">
+            <a:ext uri="{909E8E84-426E-40DD-AFC4-6F175D3DCCD1}">
               <a14:hiddenFill xmlns:a14="http://schemas.microsoft.com/office/drawing/2010/main">
                 <a:solidFill>
                   <a:srgbClr val="FFFFFF"/>
                 </a:solidFill>
               </a14:hiddenFill>
             </a:ext>
-            <a:ext uri="{91240B29-F687-4f45-9708-019B960494DF}">
+            <a:ext uri="{91240B29-F687-4F45-9708-019B960494DF}">
               <a14:hiddenLine xmlns:a14="http://schemas.microsoft.com/office/drawing/2010/main" w="9525">
                 <a:solidFill>
                   <a:srgbClr val="000000"/>
@@ -4539,7 +4541,7 @@
               </a14:hiddenLine>
             </a:ext>
             <a:ext uri="{FAA26D3D-D897-4be2-8F04-BA451C77F1D7}">
-              <ma14:placeholderFlag xmlns:ma14="http://schemas.microsoft.com/office/mac/drawingml/2011/main" val="1"/>
+              <ma14:placeholderFlag xmlns:ma14="http://schemas.microsoft.com/office/mac/drawingml/2011/main" xmlns="" val="1"/>
             </a:ext>
           </a:extLst>
         </p:spPr>
@@ -4582,14 +4584,14 @@
             <a:noFill/>
           </a:ln>
           <a:extLst>
-            <a:ext uri="{909E8E84-426E-40dd-AFC4-6F175D3DCCD1}">
+            <a:ext uri="{909E8E84-426E-40DD-AFC4-6F175D3DCCD1}">
               <a14:hiddenFill xmlns:a14="http://schemas.microsoft.com/office/drawing/2010/main">
                 <a:solidFill>
                   <a:srgbClr val="FFFFFF"/>
                 </a:solidFill>
               </a14:hiddenFill>
             </a:ext>
-            <a:ext uri="{91240B29-F687-4f45-9708-019B960494DF}">
+            <a:ext uri="{91240B29-F687-4F45-9708-019B960494DF}">
               <a14:hiddenLine xmlns:a14="http://schemas.microsoft.com/office/drawing/2010/main" w="9525">
                 <a:solidFill>
                   <a:srgbClr val="000000"/>
@@ -4600,7 +4602,7 @@
               </a14:hiddenLine>
             </a:ext>
             <a:ext uri="{FAA26D3D-D897-4be2-8F04-BA451C77F1D7}">
-              <ma14:placeholderFlag xmlns:ma14="http://schemas.microsoft.com/office/mac/drawingml/2011/main" val="1"/>
+              <ma14:placeholderFlag xmlns:ma14="http://schemas.microsoft.com/office/mac/drawingml/2011/main" xmlns="" val="1"/>
             </a:ext>
           </a:extLst>
         </p:spPr>
@@ -4695,7 +4697,7 @@
             </a:pPr>
             <a:fld id="{D6C3C5DD-078C-DD49-8C7C-8EADBF6D6407}" type="datetime1">
               <a:rPr lang="en-US" smtClean="0"/>
-              <a:t>10/6/16</a:t>
+              <a:t>10/11/2016</a:t>
             </a:fld>
             <a:endParaRPr lang="en-US"/>
           </a:p>
@@ -4875,7 +4877,7 @@
             <a:tailEnd/>
           </a:ln>
           <a:extLst>
-            <a:ext uri="{909E8E84-426E-40dd-AFC4-6F175D3DCCD1}">
+            <a:ext uri="{909E8E84-426E-40DD-AFC4-6F175D3DCCD1}">
               <a14:hiddenFill xmlns:a14="http://schemas.microsoft.com/office/drawing/2010/main">
                 <a:solidFill>
                   <a:srgbClr val="FFFFFF"/>
@@ -4918,7 +4920,7 @@
             <a:tailEnd/>
           </a:ln>
           <a:extLst>
-            <a:ext uri="{909E8E84-426E-40dd-AFC4-6F175D3DCCD1}">
+            <a:ext uri="{909E8E84-426E-40DD-AFC4-6F175D3DCCD1}">
               <a14:hiddenFill xmlns:a14="http://schemas.microsoft.com/office/drawing/2010/main">
                 <a:noFill/>
               </a14:hiddenFill>
@@ -4954,7 +4956,7 @@
   <p:timing>
     <p:tnLst>
       <p:par>
-        <p:cTn xmlns:p14="http://schemas.microsoft.com/office/powerpoint/2010/main" id="1" dur="indefinite" restart="never" nodeType="tmRoot"/>
+        <p:cTn id="1" dur="indefinite" restart="never" nodeType="tmRoot"/>
       </p:par>
     </p:tnLst>
   </p:timing>
@@ -5601,7 +5603,533 @@
   <p:timing>
     <p:tnLst>
       <p:par>
-        <p:cTn xmlns:p14="http://schemas.microsoft.com/office/powerpoint/2010/main" id="1" dur="indefinite" restart="never" nodeType="tmRoot"/>
+        <p:cTn id="1" dur="indefinite" restart="never" nodeType="tmRoot"/>
+      </p:par>
+    </p:tnLst>
+  </p:timing>
+</p:sld>
+</file>
+
+<file path=ppt/slides/slide10.xml><?xml version="1.0" encoding="utf-8"?>
+<p:sld xmlns:a="http://schemas.openxmlformats.org/drawingml/2006/main" xmlns:r="http://schemas.openxmlformats.org/officeDocument/2006/relationships" xmlns:p="http://schemas.openxmlformats.org/presentationml/2006/main">
+  <p:cSld>
+    <p:spTree>
+      <p:nvGrpSpPr>
+        <p:cNvPr id="1" name=""/>
+        <p:cNvGrpSpPr/>
+        <p:nvPr/>
+      </p:nvGrpSpPr>
+      <p:grpSpPr>
+        <a:xfrm>
+          <a:off x="0" y="0"/>
+          <a:ext cx="0" cy="0"/>
+          <a:chOff x="0" y="0"/>
+          <a:chExt cx="0" cy="0"/>
+        </a:xfrm>
+      </p:grpSpPr>
+      <p:sp>
+        <p:nvSpPr>
+          <p:cNvPr id="24577" name="Title 1"/>
+          <p:cNvSpPr>
+            <a:spLocks noGrp="1"/>
+          </p:cNvSpPr>
+          <p:nvPr>
+            <p:ph type="title"/>
+          </p:nvPr>
+        </p:nvSpPr>
+        <p:spPr/>
+        <p:txBody>
+          <a:bodyPr/>
+          <a:lstStyle/>
+          <a:p>
+            <a:r>
+              <a:rPr lang="en-US">
+                <a:latin typeface="Garamond" charset="0"/>
+              </a:rPr>
+              <a:t>Final notes</a:t>
+            </a:r>
+          </a:p>
+        </p:txBody>
+      </p:sp>
+      <p:sp>
+        <p:nvSpPr>
+          <p:cNvPr id="24578" name="Content Placeholder 2"/>
+          <p:cNvSpPr>
+            <a:spLocks noGrp="1"/>
+          </p:cNvSpPr>
+          <p:nvPr>
+            <p:ph idx="1"/>
+          </p:nvPr>
+        </p:nvSpPr>
+        <p:spPr/>
+        <p:txBody>
+          <a:bodyPr>
+            <a:normAutofit/>
+          </a:bodyPr>
+          <a:lstStyle/>
+          <a:p>
+            <a:r>
+              <a:rPr lang="en-US" dirty="0">
+                <a:latin typeface="Arial" charset="0"/>
+              </a:rPr>
+              <a:t>Next time</a:t>
+            </a:r>
+          </a:p>
+          <a:p>
+            <a:pPr lvl="1"/>
+            <a:r>
+              <a:rPr lang="en-US" dirty="0" smtClean="0">
+                <a:latin typeface="Arial" charset="0"/>
+              </a:rPr>
+              <a:t>Pointers</a:t>
+            </a:r>
+            <a:endParaRPr lang="en-US" dirty="0">
+              <a:latin typeface="Arial" charset="0"/>
+            </a:endParaRPr>
+          </a:p>
+          <a:p>
+            <a:r>
+              <a:rPr lang="en-US" dirty="0">
+                <a:latin typeface="Arial" charset="0"/>
+              </a:rPr>
+              <a:t>Reminders:</a:t>
+            </a:r>
+          </a:p>
+          <a:p>
+            <a:pPr lvl="1">
+              <a:lnSpc>
+                <a:spcPct val="90000"/>
+              </a:lnSpc>
+            </a:pPr>
+            <a:r>
+              <a:rPr lang="en-US" dirty="0">
+                <a:latin typeface="Arial" charset="0"/>
+              </a:rPr>
+              <a:t>P2 regrades due 10/14; P3 regrades due TBD</a:t>
+            </a:r>
+          </a:p>
+          <a:p>
+            <a:pPr lvl="2">
+              <a:lnSpc>
+                <a:spcPct val="90000"/>
+              </a:lnSpc>
+            </a:pPr>
+            <a:r>
+              <a:rPr lang="en-US" u="sng" dirty="0" smtClean="0">
+                <a:latin typeface="Arial" charset="0"/>
+              </a:rPr>
+              <a:t>Please </a:t>
+            </a:r>
+            <a:r>
+              <a:rPr lang="en-US" u="sng" dirty="0">
+                <a:latin typeface="Arial" charset="0"/>
+              </a:rPr>
+              <a:t>do not change file name</a:t>
+            </a:r>
+          </a:p>
+          <a:p>
+            <a:pPr lvl="2">
+              <a:lnSpc>
+                <a:spcPct val="90000"/>
+              </a:lnSpc>
+            </a:pPr>
+            <a:r>
+              <a:rPr lang="en-US" dirty="0">
+                <a:latin typeface="Arial" charset="0"/>
+              </a:rPr>
+              <a:t>Must e-mail Dr. Geiger with </a:t>
+            </a:r>
+            <a:r>
+              <a:rPr lang="en-US" dirty="0" err="1">
+                <a:latin typeface="Arial" charset="0"/>
+              </a:rPr>
+              <a:t>regrade</a:t>
+            </a:r>
+            <a:r>
+              <a:rPr lang="en-US" dirty="0">
+                <a:latin typeface="Arial" charset="0"/>
+              </a:rPr>
+              <a:t> requests (and for late submissions)</a:t>
+            </a:r>
+          </a:p>
+          <a:p>
+            <a:pPr lvl="1">
+              <a:lnSpc>
+                <a:spcPct val="90000"/>
+              </a:lnSpc>
+            </a:pPr>
+            <a:r>
+              <a:rPr lang="en-US" dirty="0">
+                <a:latin typeface="Arial" charset="0"/>
+              </a:rPr>
+              <a:t>Program 4 due today</a:t>
+            </a:r>
+          </a:p>
+          <a:p>
+            <a:pPr lvl="1">
+              <a:lnSpc>
+                <a:spcPct val="90000"/>
+              </a:lnSpc>
+            </a:pPr>
+            <a:r>
+              <a:rPr lang="en-US" dirty="0">
+                <a:latin typeface="Arial" charset="0"/>
+              </a:rPr>
+              <a:t>Program 5 due 10/19</a:t>
+            </a:r>
+          </a:p>
+        </p:txBody>
+      </p:sp>
+      <p:sp>
+        <p:nvSpPr>
+          <p:cNvPr id="24579" name="Date Placeholder 3"/>
+          <p:cNvSpPr>
+            <a:spLocks noGrp="1"/>
+          </p:cNvSpPr>
+          <p:nvPr>
+            <p:ph type="dt" sz="quarter" idx="10"/>
+          </p:nvPr>
+        </p:nvSpPr>
+        <p:spPr>
+          <a:noFill/>
+          <a:ln/>
+          <a:extLst>
+            <a:ext uri="{909E8E84-426E-40DD-AFC4-6F175D3DCCD1}">
+              <a14:hiddenFill xmlns:a14="http://schemas.microsoft.com/office/drawing/2010/main">
+                <a:solidFill>
+                  <a:srgbClr val="FFFFFF"/>
+                </a:solidFill>
+              </a14:hiddenFill>
+            </a:ext>
+            <a:ext uri="{91240B29-F687-4F45-9708-019B960494DF}">
+              <a14:hiddenLine xmlns:a14="http://schemas.microsoft.com/office/drawing/2010/main" w="9525">
+                <a:solidFill>
+                  <a:srgbClr val="000000"/>
+                </a:solidFill>
+                <a:miter lim="800000"/>
+                <a:headEnd/>
+                <a:tailEnd/>
+              </a14:hiddenLine>
+            </a:ext>
+          </a:extLst>
+        </p:spPr>
+        <p:txBody>
+          <a:bodyPr/>
+          <a:lstStyle>
+            <a:lvl1pPr eaLnBrk="0" hangingPunct="0">
+              <a:defRPr sz="2400">
+                <a:solidFill>
+                  <a:schemeClr val="tx1"/>
+                </a:solidFill>
+                <a:latin typeface="Arial" charset="0"/>
+                <a:ea typeface="ＭＳ Ｐゴシック" charset="0"/>
+                <a:cs typeface="ＭＳ Ｐゴシック" charset="0"/>
+              </a:defRPr>
+            </a:lvl1pPr>
+            <a:lvl2pPr marL="742950" indent="-285750" eaLnBrk="0" hangingPunct="0">
+              <a:defRPr sz="2400">
+                <a:solidFill>
+                  <a:schemeClr val="tx1"/>
+                </a:solidFill>
+                <a:latin typeface="Arial" charset="0"/>
+                <a:ea typeface="ＭＳ Ｐゴシック" charset="0"/>
+              </a:defRPr>
+            </a:lvl2pPr>
+            <a:lvl3pPr marL="1143000" indent="-228600" eaLnBrk="0" hangingPunct="0">
+              <a:defRPr sz="2400">
+                <a:solidFill>
+                  <a:schemeClr val="tx1"/>
+                </a:solidFill>
+                <a:latin typeface="Arial" charset="0"/>
+                <a:ea typeface="ＭＳ Ｐゴシック" charset="0"/>
+              </a:defRPr>
+            </a:lvl3pPr>
+            <a:lvl4pPr marL="1600200" indent="-228600" eaLnBrk="0" hangingPunct="0">
+              <a:defRPr sz="2400">
+                <a:solidFill>
+                  <a:schemeClr val="tx1"/>
+                </a:solidFill>
+                <a:latin typeface="Arial" charset="0"/>
+                <a:ea typeface="ＭＳ Ｐゴシック" charset="0"/>
+              </a:defRPr>
+            </a:lvl4pPr>
+            <a:lvl5pPr marL="2057400" indent="-228600" eaLnBrk="0" hangingPunct="0">
+              <a:defRPr sz="2400">
+                <a:solidFill>
+                  <a:schemeClr val="tx1"/>
+                </a:solidFill>
+                <a:latin typeface="Arial" charset="0"/>
+                <a:ea typeface="ＭＳ Ｐゴシック" charset="0"/>
+              </a:defRPr>
+            </a:lvl5pPr>
+            <a:lvl6pPr marL="2514600" indent="-228600" eaLnBrk="0" fontAlgn="base" hangingPunct="0">
+              <a:spcBef>
+                <a:spcPct val="0"/>
+              </a:spcBef>
+              <a:spcAft>
+                <a:spcPct val="0"/>
+              </a:spcAft>
+              <a:defRPr sz="2400">
+                <a:solidFill>
+                  <a:schemeClr val="tx1"/>
+                </a:solidFill>
+                <a:latin typeface="Arial" charset="0"/>
+                <a:ea typeface="ＭＳ Ｐゴシック" charset="0"/>
+              </a:defRPr>
+            </a:lvl6pPr>
+            <a:lvl7pPr marL="2971800" indent="-228600" eaLnBrk="0" fontAlgn="base" hangingPunct="0">
+              <a:spcBef>
+                <a:spcPct val="0"/>
+              </a:spcBef>
+              <a:spcAft>
+                <a:spcPct val="0"/>
+              </a:spcAft>
+              <a:defRPr sz="2400">
+                <a:solidFill>
+                  <a:schemeClr val="tx1"/>
+                </a:solidFill>
+                <a:latin typeface="Arial" charset="0"/>
+                <a:ea typeface="ＭＳ Ｐゴシック" charset="0"/>
+              </a:defRPr>
+            </a:lvl7pPr>
+            <a:lvl8pPr marL="3429000" indent="-228600" eaLnBrk="0" fontAlgn="base" hangingPunct="0">
+              <a:spcBef>
+                <a:spcPct val="0"/>
+              </a:spcBef>
+              <a:spcAft>
+                <a:spcPct val="0"/>
+              </a:spcAft>
+              <a:defRPr sz="2400">
+                <a:solidFill>
+                  <a:schemeClr val="tx1"/>
+                </a:solidFill>
+                <a:latin typeface="Arial" charset="0"/>
+                <a:ea typeface="ＭＳ Ｐゴシック" charset="0"/>
+              </a:defRPr>
+            </a:lvl8pPr>
+            <a:lvl9pPr marL="3886200" indent="-228600" eaLnBrk="0" fontAlgn="base" hangingPunct="0">
+              <a:spcBef>
+                <a:spcPct val="0"/>
+              </a:spcBef>
+              <a:spcAft>
+                <a:spcPct val="0"/>
+              </a:spcAft>
+              <a:defRPr sz="2400">
+                <a:solidFill>
+                  <a:schemeClr val="tx1"/>
+                </a:solidFill>
+                <a:latin typeface="Arial" charset="0"/>
+                <a:ea typeface="ＭＳ Ｐゴシック" charset="0"/>
+              </a:defRPr>
+            </a:lvl9pPr>
+          </a:lstStyle>
+          <a:p>
+            <a:pPr eaLnBrk="1" hangingPunct="1"/>
+            <a:fld id="{B9C3BC10-280A-6A43-8207-B19B7F1795C7}" type="datetime1">
+              <a:rPr lang="en-US" sz="1200" smtClean="0">
+                <a:latin typeface="Garamond" charset="0"/>
+              </a:rPr>
+              <a:t>10/11/2016</a:t>
+            </a:fld>
+            <a:endParaRPr lang="en-US" sz="1200">
+              <a:latin typeface="Garamond" charset="0"/>
+            </a:endParaRPr>
+          </a:p>
+        </p:txBody>
+      </p:sp>
+      <p:sp>
+        <p:nvSpPr>
+          <p:cNvPr id="5" name="Footer Placeholder 4"/>
+          <p:cNvSpPr>
+            <a:spLocks noGrp="1"/>
+          </p:cNvSpPr>
+          <p:nvPr>
+            <p:ph type="ftr" sz="quarter" idx="11"/>
+          </p:nvPr>
+        </p:nvSpPr>
+        <p:spPr/>
+        <p:txBody>
+          <a:bodyPr/>
+          <a:lstStyle/>
+          <a:p>
+            <a:pPr>
+              <a:defRPr/>
+            </a:pPr>
+            <a:r>
+              <a:rPr lang="en-US" altLang="en-US" smtClean="0"/>
+              <a:t>ECE Application Programming: Lecture 15</a:t>
+            </a:r>
+            <a:endParaRPr lang="en-US" altLang="en-US"/>
+          </a:p>
+        </p:txBody>
+      </p:sp>
+      <p:sp>
+        <p:nvSpPr>
+          <p:cNvPr id="24581" name="Slide Number Placeholder 5"/>
+          <p:cNvSpPr>
+            <a:spLocks noGrp="1"/>
+          </p:cNvSpPr>
+          <p:nvPr>
+            <p:ph type="sldNum" sz="quarter" idx="12"/>
+          </p:nvPr>
+        </p:nvSpPr>
+        <p:spPr>
+          <a:noFill/>
+          <a:ln/>
+          <a:extLst>
+            <a:ext uri="{909E8E84-426E-40DD-AFC4-6F175D3DCCD1}">
+              <a14:hiddenFill xmlns:a14="http://schemas.microsoft.com/office/drawing/2010/main">
+                <a:solidFill>
+                  <a:srgbClr val="FFFFFF"/>
+                </a:solidFill>
+              </a14:hiddenFill>
+            </a:ext>
+            <a:ext uri="{91240B29-F687-4F45-9708-019B960494DF}">
+              <a14:hiddenLine xmlns:a14="http://schemas.microsoft.com/office/drawing/2010/main" w="9525">
+                <a:solidFill>
+                  <a:srgbClr val="000000"/>
+                </a:solidFill>
+                <a:miter lim="800000"/>
+                <a:headEnd/>
+                <a:tailEnd/>
+              </a14:hiddenLine>
+            </a:ext>
+          </a:extLst>
+        </p:spPr>
+        <p:txBody>
+          <a:bodyPr/>
+          <a:lstStyle>
+            <a:lvl1pPr eaLnBrk="0" hangingPunct="0">
+              <a:defRPr sz="2400">
+                <a:solidFill>
+                  <a:schemeClr val="tx1"/>
+                </a:solidFill>
+                <a:latin typeface="Arial" charset="0"/>
+                <a:ea typeface="ＭＳ Ｐゴシック" charset="0"/>
+                <a:cs typeface="ＭＳ Ｐゴシック" charset="0"/>
+              </a:defRPr>
+            </a:lvl1pPr>
+            <a:lvl2pPr marL="742950" indent="-285750" eaLnBrk="0" hangingPunct="0">
+              <a:defRPr sz="2400">
+                <a:solidFill>
+                  <a:schemeClr val="tx1"/>
+                </a:solidFill>
+                <a:latin typeface="Arial" charset="0"/>
+                <a:ea typeface="ＭＳ Ｐゴシック" charset="0"/>
+              </a:defRPr>
+            </a:lvl2pPr>
+            <a:lvl3pPr marL="1143000" indent="-228600" eaLnBrk="0" hangingPunct="0">
+              <a:defRPr sz="2400">
+                <a:solidFill>
+                  <a:schemeClr val="tx1"/>
+                </a:solidFill>
+                <a:latin typeface="Arial" charset="0"/>
+                <a:ea typeface="ＭＳ Ｐゴシック" charset="0"/>
+              </a:defRPr>
+            </a:lvl3pPr>
+            <a:lvl4pPr marL="1600200" indent="-228600" eaLnBrk="0" hangingPunct="0">
+              <a:defRPr sz="2400">
+                <a:solidFill>
+                  <a:schemeClr val="tx1"/>
+                </a:solidFill>
+                <a:latin typeface="Arial" charset="0"/>
+                <a:ea typeface="ＭＳ Ｐゴシック" charset="0"/>
+              </a:defRPr>
+            </a:lvl4pPr>
+            <a:lvl5pPr marL="2057400" indent="-228600" eaLnBrk="0" hangingPunct="0">
+              <a:defRPr sz="2400">
+                <a:solidFill>
+                  <a:schemeClr val="tx1"/>
+                </a:solidFill>
+                <a:latin typeface="Arial" charset="0"/>
+                <a:ea typeface="ＭＳ Ｐゴシック" charset="0"/>
+              </a:defRPr>
+            </a:lvl5pPr>
+            <a:lvl6pPr marL="2514600" indent="-228600" eaLnBrk="0" fontAlgn="base" hangingPunct="0">
+              <a:spcBef>
+                <a:spcPct val="0"/>
+              </a:spcBef>
+              <a:spcAft>
+                <a:spcPct val="0"/>
+              </a:spcAft>
+              <a:defRPr sz="2400">
+                <a:solidFill>
+                  <a:schemeClr val="tx1"/>
+                </a:solidFill>
+                <a:latin typeface="Arial" charset="0"/>
+                <a:ea typeface="ＭＳ Ｐゴシック" charset="0"/>
+              </a:defRPr>
+            </a:lvl6pPr>
+            <a:lvl7pPr marL="2971800" indent="-228600" eaLnBrk="0" fontAlgn="base" hangingPunct="0">
+              <a:spcBef>
+                <a:spcPct val="0"/>
+              </a:spcBef>
+              <a:spcAft>
+                <a:spcPct val="0"/>
+              </a:spcAft>
+              <a:defRPr sz="2400">
+                <a:solidFill>
+                  <a:schemeClr val="tx1"/>
+                </a:solidFill>
+                <a:latin typeface="Arial" charset="0"/>
+                <a:ea typeface="ＭＳ Ｐゴシック" charset="0"/>
+              </a:defRPr>
+            </a:lvl7pPr>
+            <a:lvl8pPr marL="3429000" indent="-228600" eaLnBrk="0" fontAlgn="base" hangingPunct="0">
+              <a:spcBef>
+                <a:spcPct val="0"/>
+              </a:spcBef>
+              <a:spcAft>
+                <a:spcPct val="0"/>
+              </a:spcAft>
+              <a:defRPr sz="2400">
+                <a:solidFill>
+                  <a:schemeClr val="tx1"/>
+                </a:solidFill>
+                <a:latin typeface="Arial" charset="0"/>
+                <a:ea typeface="ＭＳ Ｐゴシック" charset="0"/>
+              </a:defRPr>
+            </a:lvl8pPr>
+            <a:lvl9pPr marL="3886200" indent="-228600" eaLnBrk="0" fontAlgn="base" hangingPunct="0">
+              <a:spcBef>
+                <a:spcPct val="0"/>
+              </a:spcBef>
+              <a:spcAft>
+                <a:spcPct val="0"/>
+              </a:spcAft>
+              <a:defRPr sz="2400">
+                <a:solidFill>
+                  <a:schemeClr val="tx1"/>
+                </a:solidFill>
+                <a:latin typeface="Arial" charset="0"/>
+                <a:ea typeface="ＭＳ Ｐゴシック" charset="0"/>
+              </a:defRPr>
+            </a:lvl9pPr>
+          </a:lstStyle>
+          <a:p>
+            <a:pPr eaLnBrk="1" hangingPunct="1"/>
+            <a:fld id="{CE786FF6-CB58-D24D-88A8-2536B12589EF}" type="slidenum">
+              <a:rPr lang="en-US" sz="1200">
+                <a:latin typeface="Garamond" charset="0"/>
+              </a:rPr>
+              <a:pPr eaLnBrk="1" hangingPunct="1"/>
+              <a:t>10</a:t>
+            </a:fld>
+            <a:endParaRPr lang="en-US" sz="1200">
+              <a:latin typeface="Garamond" charset="0"/>
+            </a:endParaRPr>
+          </a:p>
+        </p:txBody>
+      </p:sp>
+    </p:spTree>
+  </p:cSld>
+  <p:clrMapOvr>
+    <a:masterClrMapping/>
+  </p:clrMapOvr>
+  <p:timing>
+    <p:tnLst>
+      <p:par>
+        <p:cTn id="1" dur="indefinite" restart="never" nodeType="tmRoot"/>
       </p:par>
     </p:tnLst>
   </p:timing>
@@ -5662,7 +6190,7 @@
         <p:spPr/>
         <p:txBody>
           <a:bodyPr>
-            <a:normAutofit lnSpcReduction="10000"/>
+            <a:normAutofit/>
           </a:bodyPr>
           <a:lstStyle/>
           <a:p>
@@ -5686,23 +6214,26 @@
               </a:lnSpc>
             </a:pPr>
             <a:r>
+              <a:rPr lang="en-US" dirty="0" smtClean="0">
+                <a:latin typeface="Arial" charset="0"/>
+              </a:rPr>
+              <a:t>P2 regrades </a:t>
+            </a:r>
+            <a:r>
               <a:rPr lang="en-US" dirty="0">
                 <a:latin typeface="Arial" charset="0"/>
               </a:rPr>
-              <a:t>Program 2 grading done; </a:t>
-            </a:r>
-            <a:r>
-              <a:rPr lang="en-US" dirty="0" err="1">
-                <a:latin typeface="Arial" charset="0"/>
-              </a:rPr>
-              <a:t>regrades</a:t>
-            </a:r>
-            <a:r>
-              <a:rPr lang="en-US" dirty="0">
-                <a:latin typeface="Arial" charset="0"/>
-              </a:rPr>
-              <a:t> due 10/14</a:t>
-            </a:r>
+              <a:t>due </a:t>
+            </a:r>
+            <a:r>
+              <a:rPr lang="en-US" dirty="0" smtClean="0">
+                <a:latin typeface="Arial" charset="0"/>
+              </a:rPr>
+              <a:t>10/14; P3 regrades due TBD</a:t>
+            </a:r>
+            <a:endParaRPr lang="en-US" dirty="0">
+              <a:latin typeface="Arial" charset="0"/>
+            </a:endParaRPr>
           </a:p>
           <a:p>
             <a:pPr lvl="2">
@@ -5796,57 +6327,45 @@
               </a:rPr>
               <a:t>Review</a:t>
             </a:r>
+          </a:p>
+          <a:p>
+            <a:pPr lvl="1"/>
+            <a:r>
+              <a:rPr lang="en-US" dirty="0" smtClean="0">
+                <a:latin typeface="Arial" charset="0"/>
+              </a:rPr>
+              <a:t>Functions</a:t>
+            </a:r>
+          </a:p>
+          <a:p>
+            <a:r>
+              <a:rPr lang="en-US" dirty="0" smtClean="0">
+                <a:latin typeface="Arial" charset="0"/>
+              </a:rPr>
+              <a:t>Today’s </a:t>
+            </a:r>
+            <a:r>
+              <a:rPr lang="en-US" dirty="0">
+                <a:latin typeface="Arial" charset="0"/>
+              </a:rPr>
+              <a:t>lecture</a:t>
+            </a:r>
+          </a:p>
+          <a:p>
+            <a:pPr lvl="1"/>
+            <a:r>
+              <a:rPr lang="en-US" dirty="0">
+                <a:latin typeface="Arial" charset="0"/>
+              </a:rPr>
+              <a:t>More function </a:t>
+            </a:r>
+            <a:r>
+              <a:rPr lang="en-US" dirty="0" smtClean="0">
+                <a:latin typeface="Arial" charset="0"/>
+              </a:rPr>
+              <a:t>examples</a:t>
+            </a:r>
             <a:endParaRPr lang="en-US" dirty="0" smtClean="0">
-              <a:latin typeface="Arial" charset="0"/>
-            </a:endParaRPr>
-          </a:p>
-          <a:p>
-            <a:pPr lvl="1"/>
-            <a:r>
-              <a:rPr lang="en-US" dirty="0" smtClean="0">
-                <a:latin typeface="Arial" charset="0"/>
-              </a:rPr>
-              <a:t>Functions</a:t>
-            </a:r>
-          </a:p>
-          <a:p>
-            <a:r>
-              <a:rPr lang="en-US" dirty="0" smtClean="0">
-                <a:latin typeface="Arial" charset="0"/>
-              </a:rPr>
-              <a:t>Today’s </a:t>
-            </a:r>
-            <a:r>
-              <a:rPr lang="en-US" dirty="0">
-                <a:latin typeface="Arial" charset="0"/>
-              </a:rPr>
-              <a:t>lecture</a:t>
-            </a:r>
-          </a:p>
-          <a:p>
-            <a:pPr lvl="1"/>
-            <a:r>
-              <a:rPr lang="en-US" dirty="0">
-                <a:latin typeface="Arial" charset="0"/>
-              </a:rPr>
-              <a:t>More function </a:t>
-            </a:r>
-            <a:r>
-              <a:rPr lang="en-US" dirty="0" smtClean="0">
-                <a:latin typeface="Arial" charset="0"/>
-              </a:rPr>
-              <a:t>examples</a:t>
-            </a:r>
-          </a:p>
-          <a:p>
-            <a:pPr lvl="1"/>
-            <a:r>
-              <a:rPr lang="en-US" dirty="0" smtClean="0">
-                <a:latin typeface="Arial" charset="0"/>
-              </a:rPr>
-              <a:t>Exam 1 Review</a:t>
-            </a:r>
-            <a:endParaRPr lang="en-US" dirty="0">
               <a:latin typeface="Arial" charset="0"/>
             </a:endParaRPr>
           </a:p>
@@ -5866,14 +6385,14 @@
           <a:noFill/>
           <a:ln/>
           <a:extLst>
-            <a:ext uri="{909E8E84-426E-40dd-AFC4-6F175D3DCCD1}">
+            <a:ext uri="{909E8E84-426E-40DD-AFC4-6F175D3DCCD1}">
               <a14:hiddenFill xmlns:a14="http://schemas.microsoft.com/office/drawing/2010/main">
                 <a:solidFill>
                   <a:srgbClr val="FFFFFF"/>
                 </a:solidFill>
               </a14:hiddenFill>
             </a:ext>
-            <a:ext uri="{91240B29-F687-4f45-9708-019B960494DF}">
+            <a:ext uri="{91240B29-F687-4F45-9708-019B960494DF}">
               <a14:hiddenLine xmlns:a14="http://schemas.microsoft.com/office/drawing/2010/main" w="9525">
                 <a:solidFill>
                   <a:srgbClr val="000000"/>
@@ -6001,7 +6520,7 @@
               <a:rPr lang="en-US" sz="1200" smtClean="0">
                 <a:latin typeface="Garamond" charset="0"/>
               </a:rPr>
-              <a:t>10/6/16</a:t>
+              <a:t>10/11/2016</a:t>
             </a:fld>
             <a:endParaRPr lang="en-US" sz="1200">
               <a:latin typeface="Garamond" charset="0"/>
@@ -6049,14 +6568,14 @@
           <a:noFill/>
           <a:ln/>
           <a:extLst>
-            <a:ext uri="{909E8E84-426E-40dd-AFC4-6F175D3DCCD1}">
+            <a:ext uri="{909E8E84-426E-40DD-AFC4-6F175D3DCCD1}">
               <a14:hiddenFill xmlns:a14="http://schemas.microsoft.com/office/drawing/2010/main">
                 <a:solidFill>
                   <a:srgbClr val="FFFFFF"/>
                 </a:solidFill>
               </a14:hiddenFill>
             </a:ext>
-            <a:ext uri="{91240B29-F687-4f45-9708-019B960494DF}">
+            <a:ext uri="{91240B29-F687-4F45-9708-019B960494DF}">
               <a14:hiddenLine xmlns:a14="http://schemas.microsoft.com/office/drawing/2010/main" w="9525">
                 <a:solidFill>
                   <a:srgbClr val="000000"/>
@@ -6201,7 +6720,7 @@
   <p:timing>
     <p:tnLst>
       <p:par>
-        <p:cTn xmlns:p14="http://schemas.microsoft.com/office/powerpoint/2010/main" id="1" dur="indefinite" restart="never" nodeType="tmRoot"/>
+        <p:cTn id="1" dur="indefinite" restart="never" nodeType="tmRoot"/>
       </p:par>
     </p:tnLst>
   </p:timing>
@@ -6482,14 +7001,14 @@
           <a:noFill/>
           <a:ln/>
           <a:extLst>
-            <a:ext uri="{909E8E84-426E-40dd-AFC4-6F175D3DCCD1}">
+            <a:ext uri="{909E8E84-426E-40DD-AFC4-6F175D3DCCD1}">
               <a14:hiddenFill xmlns:a14="http://schemas.microsoft.com/office/drawing/2010/main">
                 <a:solidFill>
                   <a:srgbClr val="FFFFFF"/>
                 </a:solidFill>
               </a14:hiddenFill>
             </a:ext>
-            <a:ext uri="{91240B29-F687-4f45-9708-019B960494DF}">
+            <a:ext uri="{91240B29-F687-4F45-9708-019B960494DF}">
               <a14:hiddenLine xmlns:a14="http://schemas.microsoft.com/office/drawing/2010/main" w="9525">
                 <a:solidFill>
                   <a:srgbClr val="000000"/>
@@ -6617,7 +7136,7 @@
               <a:rPr lang="en-US" sz="1200" smtClean="0">
                 <a:latin typeface="Garamond" charset="0"/>
               </a:rPr>
-              <a:t>10/6/16</a:t>
+              <a:t>10/11/2016</a:t>
             </a:fld>
             <a:endParaRPr lang="en-US" sz="1200">
               <a:latin typeface="Garamond" charset="0"/>
@@ -6665,14 +7184,14 @@
           <a:noFill/>
           <a:ln/>
           <a:extLst>
-            <a:ext uri="{909E8E84-426E-40dd-AFC4-6F175D3DCCD1}">
+            <a:ext uri="{909E8E84-426E-40DD-AFC4-6F175D3DCCD1}">
               <a14:hiddenFill xmlns:a14="http://schemas.microsoft.com/office/drawing/2010/main">
                 <a:solidFill>
                   <a:srgbClr val="FFFFFF"/>
                 </a:solidFill>
               </a14:hiddenFill>
             </a:ext>
-            <a:ext uri="{91240B29-F687-4f45-9708-019B960494DF}">
+            <a:ext uri="{91240B29-F687-4F45-9708-019B960494DF}">
               <a14:hiddenLine xmlns:a14="http://schemas.microsoft.com/office/drawing/2010/main" w="9525">
                 <a:solidFill>
                   <a:srgbClr val="000000"/>
@@ -6822,7 +7341,7 @@
   <p:timing>
     <p:tnLst>
       <p:par>
-        <p:cTn xmlns:p14="http://schemas.microsoft.com/office/powerpoint/2010/main" id="1" dur="indefinite" restart="never" nodeType="tmRoot"/>
+        <p:cTn id="1" dur="indefinite" restart="never" nodeType="tmRoot"/>
       </p:par>
     </p:tnLst>
   </p:timing>
@@ -6848,7 +7367,7 @@
       </p:grpSpPr>
       <p:sp>
         <p:nvSpPr>
-          <p:cNvPr id="20481" name="Title 1"/>
+          <p:cNvPr id="33793" name="Title 1"/>
           <p:cNvSpPr>
             <a:spLocks noGrp="1"/>
           </p:cNvSpPr>
@@ -6865,110 +7384,580 @@
               <a:rPr lang="en-US">
                 <a:latin typeface="Garamond" charset="0"/>
               </a:rPr>
-              <a:t>Example: Writing functions</a:t>
-            </a:r>
-          </a:p>
-        </p:txBody>
-      </p:sp>
-      <p:sp>
-        <p:nvSpPr>
-          <p:cNvPr id="20482" name="Content Placeholder 2"/>
+              <a:t>Example</a:t>
+            </a:r>
+          </a:p>
+        </p:txBody>
+      </p:sp>
+      <p:sp>
+        <p:nvSpPr>
+          <p:cNvPr id="3" name="Content Placeholder 2"/>
           <p:cNvSpPr>
             <a:spLocks noGrp="1"/>
           </p:cNvSpPr>
           <p:nvPr>
-            <p:ph idx="1"/>
-          </p:nvPr>
-        </p:nvSpPr>
-        <p:spPr/>
+            <p:ph sz="half" idx="1"/>
+          </p:nvPr>
+        </p:nvSpPr>
+        <p:spPr>
+          <a:xfrm>
+            <a:off x="152400" y="1143000"/>
+            <a:ext cx="4724400" cy="4987925"/>
+          </a:xfrm>
+        </p:spPr>
+        <p:txBody>
+          <a:bodyPr>
+            <a:normAutofit fontScale="47500" lnSpcReduction="20000"/>
+          </a:bodyPr>
+          <a:lstStyle/>
+          <a:p>
+            <a:pPr>
+              <a:buFont typeface="Wingdings" pitchFamily="2" charset="2"/>
+              <a:buChar char="n"/>
+              <a:defRPr/>
+            </a:pPr>
+            <a:r>
+              <a:rPr lang="en-US" dirty="0" smtClean="0">
+                <a:ea typeface="+mn-ea"/>
+                <a:cs typeface="+mn-cs"/>
+              </a:rPr>
+              <a:t>What does the following print?</a:t>
+            </a:r>
+          </a:p>
+          <a:p>
+            <a:pPr>
+              <a:buFont typeface="Wingdings" pitchFamily="2" charset="2"/>
+              <a:buNone/>
+              <a:defRPr/>
+            </a:pPr>
+            <a:r>
+              <a:rPr lang="en-US" sz="3400" b="1" dirty="0" err="1" smtClean="0">
+                <a:latin typeface="Courier New" pitchFamily="49" charset="0"/>
+                <a:ea typeface="+mn-ea"/>
+                <a:cs typeface="Courier New" pitchFamily="49" charset="0"/>
+              </a:rPr>
+              <a:t>int</a:t>
+            </a:r>
+            <a:r>
+              <a:rPr lang="en-US" sz="3400" b="1" dirty="0" smtClean="0">
+                <a:latin typeface="Courier New" pitchFamily="49" charset="0"/>
+                <a:ea typeface="+mn-ea"/>
+                <a:cs typeface="Courier New" pitchFamily="49" charset="0"/>
+              </a:rPr>
+              <a:t> f(</a:t>
+            </a:r>
+            <a:r>
+              <a:rPr lang="en-US" sz="3400" b="1" dirty="0" err="1" smtClean="0">
+                <a:latin typeface="Courier New" pitchFamily="49" charset="0"/>
+                <a:ea typeface="+mn-ea"/>
+                <a:cs typeface="Courier New" pitchFamily="49" charset="0"/>
+              </a:rPr>
+              <a:t>int</a:t>
+            </a:r>
+            <a:r>
+              <a:rPr lang="en-US" sz="3400" b="1" dirty="0" smtClean="0">
+                <a:latin typeface="Courier New" pitchFamily="49" charset="0"/>
+                <a:ea typeface="+mn-ea"/>
+                <a:cs typeface="Courier New" pitchFamily="49" charset="0"/>
+              </a:rPr>
+              <a:t> a, </a:t>
+            </a:r>
+            <a:r>
+              <a:rPr lang="en-US" sz="3400" b="1" dirty="0" err="1" smtClean="0">
+                <a:latin typeface="Courier New" pitchFamily="49" charset="0"/>
+                <a:ea typeface="+mn-ea"/>
+                <a:cs typeface="Courier New" pitchFamily="49" charset="0"/>
+              </a:rPr>
+              <a:t>int</a:t>
+            </a:r>
+            <a:r>
+              <a:rPr lang="en-US" sz="3400" b="1" dirty="0" smtClean="0">
+                <a:latin typeface="Courier New" pitchFamily="49" charset="0"/>
+                <a:ea typeface="+mn-ea"/>
+                <a:cs typeface="Courier New" pitchFamily="49" charset="0"/>
+              </a:rPr>
+              <a:t> b);</a:t>
+            </a:r>
+          </a:p>
+          <a:p>
+            <a:pPr>
+              <a:buFont typeface="Wingdings" pitchFamily="2" charset="2"/>
+              <a:buNone/>
+              <a:defRPr/>
+            </a:pPr>
+            <a:endParaRPr lang="en-US" sz="3400" b="1" dirty="0" smtClean="0">
+              <a:solidFill>
+                <a:srgbClr val="008000"/>
+              </a:solidFill>
+              <a:latin typeface="Courier New" pitchFamily="49" charset="0"/>
+              <a:ea typeface="+mn-ea"/>
+              <a:cs typeface="Courier New" pitchFamily="49" charset="0"/>
+            </a:endParaRPr>
+          </a:p>
+          <a:p>
+            <a:pPr>
+              <a:buFont typeface="Wingdings" pitchFamily="2" charset="2"/>
+              <a:buNone/>
+              <a:defRPr/>
+            </a:pPr>
+            <a:r>
+              <a:rPr lang="en-US" sz="3400" b="1" dirty="0" err="1" smtClean="0">
+                <a:latin typeface="Courier New" pitchFamily="49" charset="0"/>
+                <a:ea typeface="+mn-ea"/>
+                <a:cs typeface="Courier New" pitchFamily="49" charset="0"/>
+              </a:rPr>
+              <a:t>int</a:t>
+            </a:r>
+            <a:r>
+              <a:rPr lang="en-US" sz="3400" b="1" dirty="0" smtClean="0">
+                <a:latin typeface="Courier New" pitchFamily="49" charset="0"/>
+                <a:ea typeface="+mn-ea"/>
+                <a:cs typeface="Courier New" pitchFamily="49" charset="0"/>
+              </a:rPr>
+              <a:t> main() {</a:t>
+            </a:r>
+          </a:p>
+          <a:p>
+            <a:pPr lvl="1">
+              <a:buFont typeface="Wingdings" pitchFamily="2" charset="2"/>
+              <a:buNone/>
+              <a:defRPr/>
+            </a:pPr>
+            <a:r>
+              <a:rPr lang="en-US" sz="3400" b="1" dirty="0" err="1" smtClean="0">
+                <a:latin typeface="Courier New" pitchFamily="49" charset="0"/>
+                <a:cs typeface="Courier New" pitchFamily="49" charset="0"/>
+              </a:rPr>
+              <a:t>int</a:t>
+            </a:r>
+            <a:r>
+              <a:rPr lang="en-US" sz="3400" b="1" dirty="0" smtClean="0">
+                <a:latin typeface="Courier New" pitchFamily="49" charset="0"/>
+                <a:cs typeface="Courier New" pitchFamily="49" charset="0"/>
+              </a:rPr>
+              <a:t> x = 1;</a:t>
+            </a:r>
+          </a:p>
+          <a:p>
+            <a:pPr lvl="1">
+              <a:buFont typeface="Wingdings" pitchFamily="2" charset="2"/>
+              <a:buNone/>
+              <a:defRPr/>
+            </a:pPr>
+            <a:r>
+              <a:rPr lang="en-US" sz="3400" b="1" dirty="0" err="1" smtClean="0">
+                <a:latin typeface="Courier New" pitchFamily="49" charset="0"/>
+                <a:cs typeface="Courier New" pitchFamily="49" charset="0"/>
+              </a:rPr>
+              <a:t>int</a:t>
+            </a:r>
+            <a:r>
+              <a:rPr lang="en-US" sz="3400" b="1" dirty="0" smtClean="0">
+                <a:latin typeface="Courier New" pitchFamily="49" charset="0"/>
+                <a:cs typeface="Courier New" pitchFamily="49" charset="0"/>
+              </a:rPr>
+              <a:t> y = 2;</a:t>
+            </a:r>
+          </a:p>
+          <a:p>
+            <a:pPr lvl="1">
+              <a:buFont typeface="Wingdings" pitchFamily="2" charset="2"/>
+              <a:buNone/>
+              <a:defRPr/>
+            </a:pPr>
+            <a:r>
+              <a:rPr lang="en-US" sz="3400" b="1" dirty="0" err="1" smtClean="0">
+                <a:latin typeface="Courier New" pitchFamily="49" charset="0"/>
+                <a:cs typeface="Courier New" pitchFamily="49" charset="0"/>
+              </a:rPr>
+              <a:t>int</a:t>
+            </a:r>
+            <a:r>
+              <a:rPr lang="en-US" sz="3400" b="1" dirty="0" smtClean="0">
+                <a:latin typeface="Courier New" pitchFamily="49" charset="0"/>
+                <a:cs typeface="Courier New" pitchFamily="49" charset="0"/>
+              </a:rPr>
+              <a:t> result1, result2, result3;</a:t>
+            </a:r>
+          </a:p>
+          <a:p>
+            <a:pPr lvl="1">
+              <a:buFont typeface="Wingdings" pitchFamily="2" charset="2"/>
+              <a:buNone/>
+              <a:defRPr/>
+            </a:pPr>
+            <a:endParaRPr lang="en-US" sz="3400" b="1" dirty="0" smtClean="0">
+              <a:latin typeface="Courier New" pitchFamily="49" charset="0"/>
+              <a:cs typeface="Courier New" pitchFamily="49" charset="0"/>
+            </a:endParaRPr>
+          </a:p>
+          <a:p>
+            <a:pPr lvl="1">
+              <a:buFont typeface="Wingdings" pitchFamily="2" charset="2"/>
+              <a:buNone/>
+              <a:defRPr/>
+            </a:pPr>
+            <a:r>
+              <a:rPr lang="en-US" sz="3400" b="1" dirty="0" smtClean="0">
+                <a:latin typeface="Courier New" pitchFamily="49" charset="0"/>
+                <a:cs typeface="Courier New" pitchFamily="49" charset="0"/>
+              </a:rPr>
+              <a:t>result1 = f(x, y);</a:t>
+            </a:r>
+          </a:p>
+          <a:p>
+            <a:pPr lvl="1">
+              <a:buFont typeface="Wingdings" pitchFamily="2" charset="2"/>
+              <a:buNone/>
+              <a:defRPr/>
+            </a:pPr>
+            <a:r>
+              <a:rPr lang="en-US" sz="3400" b="1" dirty="0" smtClean="0">
+                <a:latin typeface="Courier New" pitchFamily="49" charset="0"/>
+                <a:cs typeface="Courier New" pitchFamily="49" charset="0"/>
+              </a:rPr>
+              <a:t>result2 = f(y, result1);</a:t>
+            </a:r>
+          </a:p>
+          <a:p>
+            <a:pPr lvl="1">
+              <a:buFont typeface="Wingdings" pitchFamily="2" charset="2"/>
+              <a:buNone/>
+              <a:defRPr/>
+            </a:pPr>
+            <a:r>
+              <a:rPr lang="en-US" sz="3400" b="1" dirty="0" smtClean="0">
+                <a:latin typeface="Courier New" pitchFamily="49" charset="0"/>
+                <a:cs typeface="Courier New" pitchFamily="49" charset="0"/>
+              </a:rPr>
+              <a:t>result3 = f(result1, result2);</a:t>
+            </a:r>
+          </a:p>
+          <a:p>
+            <a:pPr lvl="1">
+              <a:buFont typeface="Wingdings" pitchFamily="2" charset="2"/>
+              <a:buNone/>
+              <a:defRPr/>
+            </a:pPr>
+            <a:endParaRPr lang="en-US" sz="3400" b="1" dirty="0" smtClean="0">
+              <a:latin typeface="Courier New" pitchFamily="49" charset="0"/>
+              <a:cs typeface="Courier New" pitchFamily="49" charset="0"/>
+            </a:endParaRPr>
+          </a:p>
+          <a:p>
+            <a:pPr lvl="1">
+              <a:buFont typeface="Wingdings" pitchFamily="2" charset="2"/>
+              <a:buNone/>
+              <a:defRPr/>
+            </a:pPr>
+            <a:r>
+              <a:rPr lang="es-ES" sz="3400" b="1" dirty="0" err="1" smtClean="0">
+                <a:latin typeface="Courier New" pitchFamily="49" charset="0"/>
+                <a:cs typeface="Courier New" pitchFamily="49" charset="0"/>
+              </a:rPr>
+              <a:t>printf</a:t>
+            </a:r>
+            <a:r>
+              <a:rPr lang="es-ES" sz="3400" b="1" dirty="0" smtClean="0">
+                <a:latin typeface="Courier New" pitchFamily="49" charset="0"/>
+                <a:cs typeface="Courier New" pitchFamily="49" charset="0"/>
+              </a:rPr>
+              <a:t>("x = %d, y = %d\n", x, y);</a:t>
+            </a:r>
+          </a:p>
+          <a:p>
+            <a:pPr lvl="1">
+              <a:buFont typeface="Wingdings" pitchFamily="2" charset="2"/>
+              <a:buNone/>
+              <a:defRPr/>
+            </a:pPr>
+            <a:r>
+              <a:rPr lang="en-US" sz="3400" b="1" dirty="0" err="1" smtClean="0">
+                <a:latin typeface="Courier New" pitchFamily="49" charset="0"/>
+                <a:cs typeface="Courier New" pitchFamily="49" charset="0"/>
+              </a:rPr>
+              <a:t>printf</a:t>
+            </a:r>
+            <a:r>
+              <a:rPr lang="en-US" sz="3400" b="1" dirty="0" smtClean="0">
+                <a:latin typeface="Courier New" pitchFamily="49" charset="0"/>
+                <a:cs typeface="Courier New" pitchFamily="49" charset="0"/>
+              </a:rPr>
+              <a:t>("Result 1: %d\n", result1);</a:t>
+            </a:r>
+          </a:p>
+          <a:p>
+            <a:pPr lvl="1">
+              <a:buFont typeface="Wingdings" pitchFamily="2" charset="2"/>
+              <a:buNone/>
+              <a:defRPr/>
+            </a:pPr>
+            <a:r>
+              <a:rPr lang="en-US" sz="3400" b="1" dirty="0" err="1" smtClean="0">
+                <a:latin typeface="Courier New" pitchFamily="49" charset="0"/>
+                <a:cs typeface="Courier New" pitchFamily="49" charset="0"/>
+              </a:rPr>
+              <a:t>printf</a:t>
+            </a:r>
+            <a:r>
+              <a:rPr lang="en-US" sz="3400" b="1" dirty="0" smtClean="0">
+                <a:latin typeface="Courier New" pitchFamily="49" charset="0"/>
+                <a:cs typeface="Courier New" pitchFamily="49" charset="0"/>
+              </a:rPr>
+              <a:t>("Result 2: %d\n", result2);</a:t>
+            </a:r>
+          </a:p>
+          <a:p>
+            <a:pPr lvl="1">
+              <a:buFont typeface="Wingdings" pitchFamily="2" charset="2"/>
+              <a:buNone/>
+              <a:defRPr/>
+            </a:pPr>
+            <a:r>
+              <a:rPr lang="en-US" sz="3400" b="1" dirty="0" err="1" smtClean="0">
+                <a:latin typeface="Courier New" pitchFamily="49" charset="0"/>
+                <a:cs typeface="Courier New" pitchFamily="49" charset="0"/>
+              </a:rPr>
+              <a:t>printf</a:t>
+            </a:r>
+            <a:r>
+              <a:rPr lang="en-US" sz="3400" b="1" dirty="0" smtClean="0">
+                <a:latin typeface="Courier New" pitchFamily="49" charset="0"/>
+                <a:cs typeface="Courier New" pitchFamily="49" charset="0"/>
+              </a:rPr>
+              <a:t>("Result 3: %d\n", result3);</a:t>
+            </a:r>
+          </a:p>
+          <a:p>
+            <a:pPr lvl="1">
+              <a:buFont typeface="Wingdings" pitchFamily="2" charset="2"/>
+              <a:buNone/>
+              <a:defRPr/>
+            </a:pPr>
+            <a:endParaRPr lang="en-US" sz="3400" b="1" dirty="0" smtClean="0">
+              <a:latin typeface="Courier New" pitchFamily="49" charset="0"/>
+              <a:cs typeface="Courier New" pitchFamily="49" charset="0"/>
+            </a:endParaRPr>
+          </a:p>
+          <a:p>
+            <a:pPr lvl="1">
+              <a:buFont typeface="Wingdings" pitchFamily="2" charset="2"/>
+              <a:buNone/>
+              <a:defRPr/>
+            </a:pPr>
+            <a:r>
+              <a:rPr lang="en-US" sz="3400" b="1" dirty="0" smtClean="0">
+                <a:latin typeface="Courier New" pitchFamily="49" charset="0"/>
+                <a:cs typeface="Courier New" pitchFamily="49" charset="0"/>
+              </a:rPr>
+              <a:t>return 0;</a:t>
+            </a:r>
+          </a:p>
+          <a:p>
+            <a:pPr>
+              <a:buFont typeface="Wingdings" pitchFamily="2" charset="2"/>
+              <a:buNone/>
+              <a:defRPr/>
+            </a:pPr>
+            <a:r>
+              <a:rPr lang="en-US" sz="3400" b="1" dirty="0" smtClean="0">
+                <a:latin typeface="Courier New" pitchFamily="49" charset="0"/>
+                <a:ea typeface="+mn-ea"/>
+                <a:cs typeface="Courier New" pitchFamily="49" charset="0"/>
+              </a:rPr>
+              <a:t>}</a:t>
+            </a:r>
+          </a:p>
+          <a:p>
+            <a:pPr>
+              <a:buFont typeface="Wingdings" pitchFamily="2" charset="2"/>
+              <a:buNone/>
+              <a:defRPr/>
+            </a:pPr>
+            <a:endParaRPr lang="en-US" sz="3200" b="1" dirty="0" smtClean="0">
+              <a:latin typeface="Courier New" pitchFamily="49" charset="0"/>
+              <a:ea typeface="+mn-ea"/>
+              <a:cs typeface="Courier New" pitchFamily="49" charset="0"/>
+            </a:endParaRPr>
+          </a:p>
+          <a:p>
+            <a:pPr>
+              <a:buFont typeface="Wingdings" pitchFamily="2" charset="2"/>
+              <a:buChar char="n"/>
+              <a:defRPr/>
+            </a:pPr>
+            <a:endParaRPr lang="en-US" dirty="0" smtClean="0">
+              <a:ea typeface="+mn-ea"/>
+              <a:cs typeface="+mn-cs"/>
+            </a:endParaRPr>
+          </a:p>
+          <a:p>
+            <a:pPr lvl="1">
+              <a:buFont typeface="Wingdings" pitchFamily="2" charset="2"/>
+              <a:buChar char="q"/>
+              <a:defRPr/>
+            </a:pPr>
+            <a:endParaRPr lang="en-US" dirty="0"/>
+          </a:p>
+        </p:txBody>
+      </p:sp>
+      <p:sp>
+        <p:nvSpPr>
+          <p:cNvPr id="33795" name="Content Placeholder 6"/>
+          <p:cNvSpPr>
+            <a:spLocks noGrp="1"/>
+          </p:cNvSpPr>
+          <p:nvPr>
+            <p:ph sz="half" idx="2"/>
+          </p:nvPr>
+        </p:nvSpPr>
+        <p:spPr>
+          <a:xfrm>
+            <a:off x="5334000" y="1336675"/>
+            <a:ext cx="3810000" cy="4987925"/>
+          </a:xfrm>
+        </p:spPr>
         <p:txBody>
           <a:bodyPr/>
           <a:lstStyle/>
           <a:p>
-            <a:r>
-              <a:rPr lang="en-US" dirty="0">
-                <a:latin typeface="Arial" charset="0"/>
-              </a:rPr>
-              <a:t>Write a function that:</a:t>
-            </a:r>
-          </a:p>
-          <a:p>
-            <a:pPr lvl="1"/>
-            <a:r>
-              <a:rPr lang="en-US" dirty="0" smtClean="0">
-                <a:latin typeface="Arial" charset="0"/>
-              </a:rPr>
-              <a:t>Takes an </a:t>
-            </a:r>
-            <a:r>
-              <a:rPr lang="en-US" u="sng" dirty="0" smtClean="0">
-                <a:latin typeface="Arial" charset="0"/>
-              </a:rPr>
-              <a:t>integer</a:t>
-            </a:r>
-            <a:r>
-              <a:rPr lang="en-US" dirty="0" smtClean="0">
-                <a:latin typeface="Arial" charset="0"/>
-              </a:rPr>
-              <a:t>, length, as an argument and prints a series of “length” dashes on a single line</a:t>
-            </a:r>
-            <a:endParaRPr lang="en-US" dirty="0">
+            <a:pPr>
+              <a:buFont typeface="Wingdings" charset="0"/>
+              <a:buNone/>
+            </a:pPr>
+            <a:r>
+              <a:rPr lang="en-US" sz="1600" b="1">
+                <a:latin typeface="Courier New" charset="0"/>
+                <a:cs typeface="Courier New" charset="0"/>
+              </a:rPr>
+              <a:t>int f(int a, int b)</a:t>
+            </a:r>
+          </a:p>
+          <a:p>
+            <a:pPr>
+              <a:buFont typeface="Wingdings" charset="0"/>
+              <a:buNone/>
+            </a:pPr>
+            <a:r>
+              <a:rPr lang="en-US" sz="1600" b="1">
+                <a:latin typeface="Courier New" charset="0"/>
+                <a:cs typeface="Courier New" charset="0"/>
+              </a:rPr>
+              <a:t>{</a:t>
+            </a:r>
+          </a:p>
+          <a:p>
+            <a:pPr lvl="1">
+              <a:buFont typeface="Wingdings" charset="0"/>
+              <a:buNone/>
+            </a:pPr>
+            <a:r>
+              <a:rPr lang="en-US" sz="1600" b="1">
+                <a:latin typeface="Courier New" charset="0"/>
+                <a:cs typeface="Courier New" charset="0"/>
+              </a:rPr>
+              <a:t>int i;	// Loop index</a:t>
+            </a:r>
+          </a:p>
+          <a:p>
+            <a:pPr lvl="1">
+              <a:buFont typeface="Wingdings" charset="0"/>
+              <a:buNone/>
+            </a:pPr>
+            <a:r>
+              <a:rPr lang="en-US" sz="1600" b="1">
+                <a:latin typeface="Courier New" charset="0"/>
+                <a:cs typeface="Courier New" charset="0"/>
+              </a:rPr>
+              <a:t>int r = 0;	// Result</a:t>
+            </a:r>
+          </a:p>
+          <a:p>
+            <a:pPr lvl="1">
+              <a:buFont typeface="Wingdings" charset="0"/>
+              <a:buNone/>
+            </a:pPr>
+            <a:endParaRPr lang="en-US" sz="1600" b="1">
+              <a:latin typeface="Courier New" charset="0"/>
+              <a:cs typeface="Courier New" charset="0"/>
+            </a:endParaRPr>
+          </a:p>
+          <a:p>
+            <a:pPr lvl="1">
+              <a:buFont typeface="Wingdings" charset="0"/>
+              <a:buNone/>
+            </a:pPr>
+            <a:r>
+              <a:rPr lang="nn-NO" sz="1600" b="1">
+                <a:latin typeface="Courier New" charset="0"/>
+                <a:cs typeface="Courier New" charset="0"/>
+              </a:rPr>
+              <a:t>for (i = 0; i &lt; a; i++)</a:t>
+            </a:r>
+          </a:p>
+          <a:p>
+            <a:pPr lvl="1">
+              <a:buFont typeface="Wingdings" charset="0"/>
+              <a:buNone/>
+            </a:pPr>
+            <a:r>
+              <a:rPr lang="en-US" sz="1600" b="1">
+                <a:latin typeface="Courier New" charset="0"/>
+                <a:cs typeface="Courier New" charset="0"/>
+              </a:rPr>
+              <a:t>	r += b;</a:t>
+            </a:r>
+          </a:p>
+          <a:p>
+            <a:pPr lvl="1">
+              <a:buFont typeface="Wingdings" charset="0"/>
+              <a:buNone/>
+            </a:pPr>
+            <a:endParaRPr lang="en-US" sz="1600" b="1">
+              <a:latin typeface="Courier New" charset="0"/>
+              <a:cs typeface="Courier New" charset="0"/>
+            </a:endParaRPr>
+          </a:p>
+          <a:p>
+            <a:pPr lvl="1">
+              <a:buFont typeface="Wingdings" charset="0"/>
+              <a:buNone/>
+            </a:pPr>
+            <a:r>
+              <a:rPr lang="en-US" sz="1600" b="1">
+                <a:latin typeface="Courier New" charset="0"/>
+                <a:cs typeface="Courier New" charset="0"/>
+              </a:rPr>
+              <a:t>return r;</a:t>
+            </a:r>
+          </a:p>
+          <a:p>
+            <a:pPr>
+              <a:buFont typeface="Wingdings" charset="0"/>
+              <a:buNone/>
+            </a:pPr>
+            <a:r>
+              <a:rPr lang="en-US" sz="1600" b="1">
+                <a:latin typeface="Courier New" charset="0"/>
+                <a:cs typeface="Courier New" charset="0"/>
+              </a:rPr>
+              <a:t>}</a:t>
+            </a:r>
+          </a:p>
+          <a:p>
+            <a:pPr>
+              <a:buFont typeface="Wingdings" charset="0"/>
+              <a:buNone/>
+            </a:pPr>
+            <a:endParaRPr lang="en-US" sz="1600">
               <a:latin typeface="Arial" charset="0"/>
             </a:endParaRPr>
           </a:p>
-          <a:p>
-            <a:pPr lvl="1"/>
-            <a:r>
-              <a:rPr lang="en-US" dirty="0" smtClean="0">
-                <a:latin typeface="Arial" charset="0"/>
-              </a:rPr>
-              <a:t>Reads </a:t>
-            </a:r>
-            <a:r>
-              <a:rPr lang="en-US" dirty="0">
-                <a:latin typeface="Arial" charset="0"/>
-              </a:rPr>
-              <a:t>an </a:t>
-            </a:r>
-            <a:r>
-              <a:rPr lang="en-US" u="sng" dirty="0">
-                <a:latin typeface="Arial" charset="0"/>
-              </a:rPr>
-              <a:t>integer</a:t>
-            </a:r>
-            <a:r>
-              <a:rPr lang="en-US" dirty="0">
-                <a:latin typeface="Arial" charset="0"/>
-              </a:rPr>
-              <a:t> value from the console input and returns 1 if the value is even, 0 if it’s odd</a:t>
-            </a:r>
-          </a:p>
-          <a:p>
-            <a:pPr lvl="1"/>
-            <a:r>
-              <a:rPr lang="en-US" dirty="0">
-                <a:latin typeface="Arial" charset="0"/>
-              </a:rPr>
-              <a:t>Takes four </a:t>
-            </a:r>
-            <a:r>
-              <a:rPr lang="en-US" u="sng" dirty="0">
-                <a:latin typeface="Arial" charset="0"/>
-              </a:rPr>
-              <a:t>double-precision</a:t>
-            </a:r>
-            <a:r>
-              <a:rPr lang="en-US" dirty="0">
-                <a:latin typeface="Arial" charset="0"/>
-              </a:rPr>
-              <a:t> numbers as arguments and returns their average</a:t>
-            </a:r>
-          </a:p>
-        </p:txBody>
-      </p:sp>
-      <p:sp>
-        <p:nvSpPr>
-          <p:cNvPr id="20483" name="Date Placeholder 3"/>
+        </p:txBody>
+      </p:sp>
+      <p:sp>
+        <p:nvSpPr>
+          <p:cNvPr id="33796" name="Date Placeholder 3"/>
           <p:cNvSpPr>
             <a:spLocks noGrp="1"/>
           </p:cNvSpPr>
@@ -6980,14 +7969,14 @@
           <a:noFill/>
           <a:ln/>
           <a:extLst>
-            <a:ext uri="{909E8E84-426E-40dd-AFC4-6F175D3DCCD1}">
+            <a:ext uri="{909E8E84-426E-40DD-AFC4-6F175D3DCCD1}">
               <a14:hiddenFill xmlns:a14="http://schemas.microsoft.com/office/drawing/2010/main">
                 <a:solidFill>
                   <a:srgbClr val="FFFFFF"/>
                 </a:solidFill>
               </a14:hiddenFill>
             </a:ext>
-            <a:ext uri="{91240B29-F687-4f45-9708-019B960494DF}">
+            <a:ext uri="{91240B29-F687-4F45-9708-019B960494DF}">
               <a14:hiddenLine xmlns:a14="http://schemas.microsoft.com/office/drawing/2010/main" w="9525">
                 <a:solidFill>
                   <a:srgbClr val="000000"/>
@@ -7111,11 +8100,11 @@
           </a:lstStyle>
           <a:p>
             <a:pPr eaLnBrk="1" hangingPunct="1"/>
-            <a:fld id="{DDFC9FA4-429A-484B-848D-6D5077926CD7}" type="datetime1">
+            <a:fld id="{D0A8087A-ED98-624A-9051-1342C43A46B5}" type="datetime1">
               <a:rPr lang="en-US" sz="1200" smtClean="0">
                 <a:latin typeface="Garamond" charset="0"/>
               </a:rPr>
-              <a:t>10/6/16</a:t>
+              <a:t>10/11/2016</a:t>
             </a:fld>
             <a:endParaRPr lang="en-US" sz="1200">
               <a:latin typeface="Garamond" charset="0"/>
@@ -7143,7 +8132,7 @@
             </a:pPr>
             <a:r>
               <a:rPr lang="en-US" altLang="en-US" smtClean="0"/>
-              <a:t>ECE Application Programming: Lecture 15</a:t>
+              <a:t>ECE Application Programming: Lecture 14</a:t>
             </a:r>
             <a:endParaRPr lang="en-US" altLang="en-US"/>
           </a:p>
@@ -7151,7 +8140,7 @@
       </p:sp>
       <p:sp>
         <p:nvSpPr>
-          <p:cNvPr id="20485" name="Slide Number Placeholder 5"/>
+          <p:cNvPr id="33798" name="Slide Number Placeholder 5"/>
           <p:cNvSpPr>
             <a:spLocks noGrp="1"/>
           </p:cNvSpPr>
@@ -7163,14 +8152,14 @@
           <a:noFill/>
           <a:ln/>
           <a:extLst>
-            <a:ext uri="{909E8E84-426E-40dd-AFC4-6F175D3DCCD1}">
+            <a:ext uri="{909E8E84-426E-40DD-AFC4-6F175D3DCCD1}">
               <a14:hiddenFill xmlns:a14="http://schemas.microsoft.com/office/drawing/2010/main">
                 <a:solidFill>
                   <a:srgbClr val="FFFFFF"/>
                 </a:solidFill>
               </a14:hiddenFill>
             </a:ext>
-            <a:ext uri="{91240B29-F687-4f45-9708-019B960494DF}">
+            <a:ext uri="{91240B29-F687-4F45-9708-019B960494DF}">
               <a14:hiddenLine xmlns:a14="http://schemas.microsoft.com/office/drawing/2010/main" w="9525">
                 <a:solidFill>
                   <a:srgbClr val="000000"/>
@@ -7294,7 +8283,7 @@
           </a:lstStyle>
           <a:p>
             <a:pPr eaLnBrk="1" hangingPunct="1"/>
-            <a:fld id="{62584C16-227E-F742-B88E-734FA6805BFD}" type="slidenum">
+            <a:fld id="{320EB141-A86C-F241-8E72-91B6A36936D9}" type="slidenum">
               <a:rPr lang="en-US" sz="1200">
                 <a:latin typeface="Garamond" charset="0"/>
               </a:rPr>
@@ -7308,6 +8297,11 @@
         </p:txBody>
       </p:sp>
     </p:spTree>
+    <p:extLst>
+      <p:ext uri="{BB962C8B-B14F-4D97-AF65-F5344CB8AC3E}">
+        <p14:creationId xmlns:p14="http://schemas.microsoft.com/office/powerpoint/2010/main" val="2945593820"/>
+      </p:ext>
+    </p:extLst>
   </p:cSld>
   <p:clrMapOvr>
     <a:masterClrMapping/>
@@ -7315,7 +8309,7 @@
   <p:timing>
     <p:tnLst>
       <p:par>
-        <p:cTn xmlns:p14="http://schemas.microsoft.com/office/powerpoint/2010/main" id="1" dur="indefinite" restart="never" nodeType="tmRoot"/>
+        <p:cTn id="1" dur="indefinite" restart="never" nodeType="tmRoot"/>
       </p:par>
     </p:tnLst>
   </p:timing>
@@ -7341,7 +8335,7 @@
       </p:grpSpPr>
       <p:sp>
         <p:nvSpPr>
-          <p:cNvPr id="21505" name="Title 1"/>
+          <p:cNvPr id="34817" name="Title 7"/>
           <p:cNvSpPr>
             <a:spLocks noGrp="1"/>
           </p:cNvSpPr>
@@ -7358,14 +8352,14 @@
               <a:rPr lang="en-US">
                 <a:latin typeface="Garamond" charset="0"/>
               </a:rPr>
-              <a:t>Example solutions</a:t>
-            </a:r>
-          </a:p>
-        </p:txBody>
-      </p:sp>
-      <p:sp>
-        <p:nvSpPr>
-          <p:cNvPr id="21506" name="Content Placeholder 2"/>
+              <a:t>Example solution</a:t>
+            </a:r>
+          </a:p>
+        </p:txBody>
+      </p:sp>
+      <p:sp>
+        <p:nvSpPr>
+          <p:cNvPr id="34818" name="Content Placeholder 8"/>
           <p:cNvSpPr>
             <a:spLocks noGrp="1"/>
           </p:cNvSpPr>
@@ -7379,284 +8373,61 @@
           <a:lstStyle/>
           <a:p>
             <a:pPr>
-              <a:lnSpc>
-                <a:spcPct val="90000"/>
-              </a:lnSpc>
-            </a:pPr>
-            <a:r>
-              <a:rPr lang="en-US" dirty="0">
-                <a:latin typeface="Arial" charset="0"/>
-              </a:rPr>
-              <a:t>Write a function that: </a:t>
-            </a:r>
-            <a:r>
-              <a:rPr lang="en-US" dirty="0" smtClean="0">
-                <a:latin typeface="Arial" charset="0"/>
-              </a:rPr>
-              <a:t>Takes an </a:t>
-            </a:r>
-            <a:r>
-              <a:rPr lang="en-US" u="sng" dirty="0" smtClean="0">
-                <a:latin typeface="Arial" charset="0"/>
-              </a:rPr>
-              <a:t>integer</a:t>
-            </a:r>
-            <a:r>
-              <a:rPr lang="en-US" dirty="0" smtClean="0">
-                <a:latin typeface="Arial" charset="0"/>
-              </a:rPr>
-              <a:t>, length, as an argument and prints a series of “length” dashes on a single line</a:t>
-            </a:r>
-          </a:p>
-          <a:p>
-            <a:pPr>
-              <a:lnSpc>
-                <a:spcPct val="90000"/>
-              </a:lnSpc>
-            </a:pPr>
-            <a:endParaRPr lang="en-US" dirty="0">
-              <a:latin typeface="Arial" charset="0"/>
-            </a:endParaRPr>
-          </a:p>
-          <a:p>
-            <a:pPr>
-              <a:lnSpc>
-                <a:spcPct val="90000"/>
-              </a:lnSpc>
               <a:buFont typeface="Wingdings" charset="0"/>
               <a:buNone/>
             </a:pPr>
             <a:r>
-              <a:rPr lang="en-US" b="1" dirty="0">
+              <a:rPr lang="en-US">
                 <a:latin typeface="Courier New" charset="0"/>
                 <a:cs typeface="Courier New" charset="0"/>
               </a:rPr>
-              <a:t>void </a:t>
-            </a:r>
-            <a:r>
-              <a:rPr lang="en-US" b="1" dirty="0" err="1">
+              <a:t>x = 1, y = 2</a:t>
+            </a:r>
+          </a:p>
+          <a:p>
+            <a:pPr>
+              <a:buFont typeface="Wingdings" charset="0"/>
+              <a:buNone/>
+            </a:pPr>
+            <a:r>
+              <a:rPr lang="en-US">
                 <a:latin typeface="Courier New" charset="0"/>
                 <a:cs typeface="Courier New" charset="0"/>
               </a:rPr>
-              <a:t>printLine</a:t>
-            </a:r>
-            <a:r>
-              <a:rPr lang="en-US" b="1" dirty="0" smtClean="0">
+              <a:t>Result 1: 2</a:t>
+            </a:r>
+          </a:p>
+          <a:p>
+            <a:pPr>
+              <a:buFont typeface="Wingdings" charset="0"/>
+              <a:buNone/>
+            </a:pPr>
+            <a:r>
+              <a:rPr lang="en-US">
                 <a:latin typeface="Courier New" charset="0"/>
                 <a:cs typeface="Courier New" charset="0"/>
               </a:rPr>
-              <a:t>(</a:t>
-            </a:r>
-            <a:r>
-              <a:rPr lang="en-US" b="1" dirty="0" err="1" smtClean="0">
+              <a:t>Result 2: 4</a:t>
+            </a:r>
+          </a:p>
+          <a:p>
+            <a:pPr>
+              <a:buFont typeface="Wingdings" charset="0"/>
+              <a:buNone/>
+            </a:pPr>
+            <a:r>
+              <a:rPr lang="en-US">
                 <a:latin typeface="Courier New" charset="0"/>
                 <a:cs typeface="Courier New" charset="0"/>
               </a:rPr>
-              <a:t>int</a:t>
-            </a:r>
-            <a:r>
-              <a:rPr lang="en-US" b="1" dirty="0" smtClean="0">
-                <a:latin typeface="Courier New" charset="0"/>
-                <a:cs typeface="Courier New" charset="0"/>
-              </a:rPr>
-              <a:t> length) </a:t>
-            </a:r>
-            <a:r>
-              <a:rPr lang="en-US" b="1" dirty="0">
-                <a:latin typeface="Courier New" charset="0"/>
-                <a:cs typeface="Courier New" charset="0"/>
-              </a:rPr>
-              <a:t>{</a:t>
-            </a:r>
-          </a:p>
-          <a:p>
-            <a:pPr>
-              <a:lnSpc>
-                <a:spcPct val="90000"/>
-              </a:lnSpc>
-              <a:buFont typeface="Wingdings" charset="0"/>
-              <a:buNone/>
-            </a:pPr>
-            <a:r>
-              <a:rPr lang="en-US" b="1" dirty="0">
-                <a:latin typeface="Courier New" charset="0"/>
-                <a:cs typeface="Courier New" charset="0"/>
-              </a:rPr>
-              <a:t>	</a:t>
-            </a:r>
-            <a:r>
-              <a:rPr lang="en-US" b="1" dirty="0" err="1">
-                <a:latin typeface="Courier New" charset="0"/>
-                <a:cs typeface="Courier New" charset="0"/>
-              </a:rPr>
-              <a:t>int</a:t>
-            </a:r>
-            <a:r>
-              <a:rPr lang="en-US" b="1" dirty="0">
-                <a:latin typeface="Courier New" charset="0"/>
-                <a:cs typeface="Courier New" charset="0"/>
-              </a:rPr>
-              <a:t> </a:t>
-            </a:r>
-            <a:r>
-              <a:rPr lang="en-US" b="1" dirty="0" err="1">
-                <a:latin typeface="Courier New" charset="0"/>
-                <a:cs typeface="Courier New" charset="0"/>
-              </a:rPr>
-              <a:t>i</a:t>
-            </a:r>
-            <a:r>
-              <a:rPr lang="en-US" b="1" dirty="0">
-                <a:latin typeface="Courier New" charset="0"/>
-                <a:cs typeface="Courier New" charset="0"/>
-              </a:rPr>
-              <a:t>;</a:t>
-            </a:r>
-          </a:p>
-          <a:p>
-            <a:pPr>
-              <a:lnSpc>
-                <a:spcPct val="90000"/>
-              </a:lnSpc>
-              <a:buFont typeface="Wingdings" charset="0"/>
-              <a:buNone/>
-            </a:pPr>
-            <a:r>
-              <a:rPr lang="en-US" b="1" dirty="0">
-                <a:latin typeface="Courier New" charset="0"/>
-                <a:cs typeface="Courier New" charset="0"/>
-              </a:rPr>
-              <a:t>	for (</a:t>
-            </a:r>
-            <a:r>
-              <a:rPr lang="en-US" b="1" dirty="0" err="1">
-                <a:latin typeface="Courier New" charset="0"/>
-                <a:cs typeface="Courier New" charset="0"/>
-              </a:rPr>
-              <a:t>i</a:t>
-            </a:r>
-            <a:r>
-              <a:rPr lang="en-US" b="1" dirty="0">
-                <a:latin typeface="Courier New" charset="0"/>
-                <a:cs typeface="Courier New" charset="0"/>
-              </a:rPr>
-              <a:t> = 0; </a:t>
-            </a:r>
-            <a:r>
-              <a:rPr lang="en-US" b="1" dirty="0" err="1">
-                <a:latin typeface="Courier New" charset="0"/>
-                <a:cs typeface="Courier New" charset="0"/>
-              </a:rPr>
-              <a:t>i</a:t>
-            </a:r>
-            <a:r>
-              <a:rPr lang="en-US" b="1" dirty="0">
-                <a:latin typeface="Courier New" charset="0"/>
-                <a:cs typeface="Courier New" charset="0"/>
-              </a:rPr>
-              <a:t> &lt; </a:t>
-            </a:r>
-            <a:r>
-              <a:rPr lang="en-US" b="1" dirty="0" smtClean="0">
-                <a:latin typeface="Courier New" charset="0"/>
-                <a:cs typeface="Courier New" charset="0"/>
-              </a:rPr>
-              <a:t>length; </a:t>
-            </a:r>
-            <a:r>
-              <a:rPr lang="en-US" b="1" dirty="0" err="1">
-                <a:latin typeface="Courier New" charset="0"/>
-                <a:cs typeface="Courier New" charset="0"/>
-              </a:rPr>
-              <a:t>i</a:t>
-            </a:r>
-            <a:r>
-              <a:rPr lang="en-US" b="1" dirty="0">
-                <a:latin typeface="Courier New" charset="0"/>
-                <a:cs typeface="Courier New" charset="0"/>
-              </a:rPr>
-              <a:t>++)</a:t>
-            </a:r>
-          </a:p>
-          <a:p>
-            <a:pPr>
-              <a:lnSpc>
-                <a:spcPct val="90000"/>
-              </a:lnSpc>
-              <a:buFont typeface="Wingdings" charset="0"/>
-              <a:buNone/>
-            </a:pPr>
-            <a:r>
-              <a:rPr lang="en-US" b="1" dirty="0">
-                <a:latin typeface="Courier New" charset="0"/>
-                <a:cs typeface="Courier New" charset="0"/>
-              </a:rPr>
-              <a:t>		</a:t>
-            </a:r>
-            <a:r>
-              <a:rPr lang="en-US" b="1" dirty="0" err="1">
-                <a:latin typeface="Courier New" charset="0"/>
-                <a:cs typeface="Courier New" charset="0"/>
-              </a:rPr>
-              <a:t>printf</a:t>
-            </a:r>
-            <a:r>
-              <a:rPr lang="en-US" b="1" dirty="0">
-                <a:latin typeface="Courier New" charset="0"/>
-                <a:cs typeface="Courier New" charset="0"/>
-              </a:rPr>
-              <a:t>(</a:t>
-            </a:r>
-            <a:r>
-              <a:rPr lang="ja-JP" altLang="en-US" b="1" dirty="0">
-                <a:latin typeface="Courier New" charset="0"/>
-                <a:cs typeface="Courier New" charset="0"/>
-              </a:rPr>
-              <a:t>“</a:t>
-            </a:r>
-            <a:r>
-              <a:rPr lang="en-US" altLang="ja-JP" b="1" dirty="0">
-                <a:latin typeface="Courier New" charset="0"/>
-                <a:cs typeface="Courier New" charset="0"/>
-              </a:rPr>
-              <a:t>-</a:t>
-            </a:r>
-            <a:r>
-              <a:rPr lang="ja-JP" altLang="en-US" b="1" dirty="0">
-                <a:latin typeface="Courier New" charset="0"/>
-                <a:cs typeface="Courier New" charset="0"/>
-              </a:rPr>
-              <a:t>”</a:t>
-            </a:r>
-            <a:r>
-              <a:rPr lang="en-US" altLang="ja-JP" b="1" dirty="0">
-                <a:latin typeface="Courier New" charset="0"/>
-                <a:cs typeface="Courier New" charset="0"/>
-              </a:rPr>
-              <a:t>);</a:t>
-            </a:r>
-          </a:p>
-          <a:p>
-            <a:pPr>
-              <a:lnSpc>
-                <a:spcPct val="90000"/>
-              </a:lnSpc>
-              <a:buFont typeface="Wingdings" charset="0"/>
-              <a:buNone/>
-            </a:pPr>
-            <a:r>
-              <a:rPr lang="en-US" b="1" dirty="0">
-                <a:latin typeface="Courier New" charset="0"/>
-                <a:cs typeface="Courier New" charset="0"/>
-              </a:rPr>
-              <a:t>}</a:t>
-            </a:r>
-          </a:p>
-        </p:txBody>
-      </p:sp>
-      <p:sp>
-        <p:nvSpPr>
-          <p:cNvPr id="21507" name="Date Placeholder 3"/>
+              <a:t>Result 3: 8</a:t>
+            </a:r>
+          </a:p>
+        </p:txBody>
+      </p:sp>
+      <p:sp>
+        <p:nvSpPr>
+          <p:cNvPr id="34819" name="Date Placeholder 4"/>
           <p:cNvSpPr>
             <a:spLocks noGrp="1"/>
           </p:cNvSpPr>
@@ -7668,14 +8439,14 @@
           <a:noFill/>
           <a:ln/>
           <a:extLst>
-            <a:ext uri="{909E8E84-426E-40dd-AFC4-6F175D3DCCD1}">
+            <a:ext uri="{909E8E84-426E-40DD-AFC4-6F175D3DCCD1}">
               <a14:hiddenFill xmlns:a14="http://schemas.microsoft.com/office/drawing/2010/main">
                 <a:solidFill>
                   <a:srgbClr val="FFFFFF"/>
                 </a:solidFill>
               </a14:hiddenFill>
             </a:ext>
-            <a:ext uri="{91240B29-F687-4f45-9708-019B960494DF}">
+            <a:ext uri="{91240B29-F687-4F45-9708-019B960494DF}">
               <a14:hiddenLine xmlns:a14="http://schemas.microsoft.com/office/drawing/2010/main" w="9525">
                 <a:solidFill>
                   <a:srgbClr val="000000"/>
@@ -7799,11 +8570,11 @@
           </a:lstStyle>
           <a:p>
             <a:pPr eaLnBrk="1" hangingPunct="1"/>
-            <a:fld id="{E1767F4B-076F-2048-997F-096B5AFF7461}" type="datetime1">
+            <a:fld id="{778DE536-49D8-6A42-B681-62F5347AB20C}" type="datetime1">
               <a:rPr lang="en-US" sz="1200" smtClean="0">
                 <a:latin typeface="Garamond" charset="0"/>
               </a:rPr>
-              <a:t>10/6/16</a:t>
+              <a:t>10/11/2016</a:t>
             </a:fld>
             <a:endParaRPr lang="en-US" sz="1200">
               <a:latin typeface="Garamond" charset="0"/>
@@ -7813,7 +8584,7 @@
       </p:sp>
       <p:sp>
         <p:nvSpPr>
-          <p:cNvPr id="5" name="Footer Placeholder 4"/>
+          <p:cNvPr id="6" name="Footer Placeholder 5"/>
           <p:cNvSpPr>
             <a:spLocks noGrp="1"/>
           </p:cNvSpPr>
@@ -7831,7 +8602,7 @@
             </a:pPr>
             <a:r>
               <a:rPr lang="en-US" altLang="en-US" smtClean="0"/>
-              <a:t>ECE Application Programming: Lecture 15</a:t>
+              <a:t>ECE Application Programming: Lecture 14</a:t>
             </a:r>
             <a:endParaRPr lang="en-US" altLang="en-US"/>
           </a:p>
@@ -7839,7 +8610,7 @@
       </p:sp>
       <p:sp>
         <p:nvSpPr>
-          <p:cNvPr id="21509" name="Slide Number Placeholder 5"/>
+          <p:cNvPr id="34821" name="Slide Number Placeholder 6"/>
           <p:cNvSpPr>
             <a:spLocks noGrp="1"/>
           </p:cNvSpPr>
@@ -7851,14 +8622,14 @@
           <a:noFill/>
           <a:ln/>
           <a:extLst>
-            <a:ext uri="{909E8E84-426E-40dd-AFC4-6F175D3DCCD1}">
+            <a:ext uri="{909E8E84-426E-40DD-AFC4-6F175D3DCCD1}">
               <a14:hiddenFill xmlns:a14="http://schemas.microsoft.com/office/drawing/2010/main">
                 <a:solidFill>
                   <a:srgbClr val="FFFFFF"/>
                 </a:solidFill>
               </a14:hiddenFill>
             </a:ext>
-            <a:ext uri="{91240B29-F687-4f45-9708-019B960494DF}">
+            <a:ext uri="{91240B29-F687-4F45-9708-019B960494DF}">
               <a14:hiddenLine xmlns:a14="http://schemas.microsoft.com/office/drawing/2010/main" w="9525">
                 <a:solidFill>
                   <a:srgbClr val="000000"/>
@@ -7982,7 +8753,7 @@
           </a:lstStyle>
           <a:p>
             <a:pPr eaLnBrk="1" hangingPunct="1"/>
-            <a:fld id="{F340EDFB-CCAB-5846-AF4C-C5DE0290D5F2}" type="slidenum">
+            <a:fld id="{287A361E-4BDF-E24D-ABF1-3B82583BC0D8}" type="slidenum">
               <a:rPr lang="en-US" sz="1200">
                 <a:latin typeface="Garamond" charset="0"/>
               </a:rPr>
@@ -7996,6 +8767,11 @@
         </p:txBody>
       </p:sp>
     </p:spTree>
+    <p:extLst>
+      <p:ext uri="{BB962C8B-B14F-4D97-AF65-F5344CB8AC3E}">
+        <p14:creationId xmlns:p14="http://schemas.microsoft.com/office/powerpoint/2010/main" val="1499606251"/>
+      </p:ext>
+    </p:extLst>
   </p:cSld>
   <p:clrMapOvr>
     <a:masterClrMapping/>
@@ -8003,7 +8779,7 @@
   <p:timing>
     <p:tnLst>
       <p:par>
-        <p:cTn xmlns:p14="http://schemas.microsoft.com/office/powerpoint/2010/main" id="1" dur="indefinite" restart="never" nodeType="tmRoot"/>
+        <p:cTn id="1" dur="indefinite" restart="never" nodeType="tmRoot"/>
       </p:par>
     </p:tnLst>
   </p:timing>
@@ -8029,7 +8805,7 @@
       </p:grpSpPr>
       <p:sp>
         <p:nvSpPr>
-          <p:cNvPr id="22529" name="Title 1"/>
+          <p:cNvPr id="20481" name="Title 1"/>
           <p:cNvSpPr>
             <a:spLocks noGrp="1"/>
           </p:cNvSpPr>
@@ -8046,14 +8822,14 @@
               <a:rPr lang="en-US">
                 <a:latin typeface="Garamond" charset="0"/>
               </a:rPr>
-              <a:t>Example solutions (cont.)</a:t>
-            </a:r>
-          </a:p>
-        </p:txBody>
-      </p:sp>
-      <p:sp>
-        <p:nvSpPr>
-          <p:cNvPr id="22530" name="Content Placeholder 2"/>
+              <a:t>Example: Writing functions</a:t>
+            </a:r>
+          </a:p>
+        </p:txBody>
+      </p:sp>
+      <p:sp>
+        <p:nvSpPr>
+          <p:cNvPr id="20482" name="Content Placeholder 2"/>
           <p:cNvSpPr>
             <a:spLocks noGrp="1"/>
           </p:cNvSpPr>
@@ -8066,221 +8842,90 @@
           <a:bodyPr/>
           <a:lstStyle/>
           <a:p>
-            <a:pPr marL="342900" lvl="1" indent="-342900">
-              <a:lnSpc>
-                <a:spcPct val="80000"/>
-              </a:lnSpc>
-              <a:buClr>
-                <a:schemeClr val="accent1"/>
-              </a:buClr>
-              <a:buSzPct val="65000"/>
-              <a:buFont typeface="Wingdings" charset="0"/>
-              <a:buChar char="n"/>
-            </a:pPr>
-            <a:r>
-              <a:rPr lang="en-US" sz="2400">
-                <a:latin typeface="Arial" charset="0"/>
-              </a:rPr>
-              <a:t>Write a function that: reads an </a:t>
-            </a:r>
-            <a:r>
-              <a:rPr lang="en-US" sz="2400" u="sng">
+            <a:r>
+              <a:rPr lang="en-US" dirty="0">
+                <a:latin typeface="Arial" charset="0"/>
+              </a:rPr>
+              <a:t>Write a function that:</a:t>
+            </a:r>
+          </a:p>
+          <a:p>
+            <a:pPr lvl="1"/>
+            <a:r>
+              <a:rPr lang="en-US" dirty="0" smtClean="0">
+                <a:latin typeface="Arial" charset="0"/>
+              </a:rPr>
+              <a:t>Takes an </a:t>
+            </a:r>
+            <a:r>
+              <a:rPr lang="en-US" u="sng" dirty="0" smtClean="0">
                 <a:latin typeface="Arial" charset="0"/>
               </a:rPr>
               <a:t>integer</a:t>
             </a:r>
             <a:r>
-              <a:rPr lang="en-US" sz="2400">
-                <a:latin typeface="Arial" charset="0"/>
-              </a:rPr>
-              <a:t> value from the console input and returns 1 if the value is even, 0 if it</a:t>
-            </a:r>
-            <a:r>
-              <a:rPr lang="ja-JP" altLang="en-US" sz="2400">
-                <a:latin typeface="Arial" charset="0"/>
-              </a:rPr>
-              <a:t>’</a:t>
-            </a:r>
-            <a:r>
-              <a:rPr lang="en-US" altLang="ja-JP" sz="2400">
-                <a:latin typeface="Arial" charset="0"/>
-              </a:rPr>
-              <a:t>s odd</a:t>
-            </a:r>
-          </a:p>
-          <a:p>
-            <a:pPr>
-              <a:lnSpc>
-                <a:spcPct val="80000"/>
-              </a:lnSpc>
-              <a:buFont typeface="Wingdings" charset="0"/>
-              <a:buNone/>
-            </a:pPr>
-            <a:endParaRPr lang="en-US" sz="2800">
+              <a:rPr lang="en-US" dirty="0" smtClean="0">
+                <a:latin typeface="Arial" charset="0"/>
+              </a:rPr>
+              <a:t>, length, as an argument and prints a series of “length” dashes on a single line</a:t>
+            </a:r>
+            <a:endParaRPr lang="en-US" dirty="0">
               <a:latin typeface="Arial" charset="0"/>
             </a:endParaRPr>
           </a:p>
           <a:p>
-            <a:pPr>
-              <a:lnSpc>
-                <a:spcPct val="80000"/>
-              </a:lnSpc>
-              <a:buFont typeface="Wingdings" charset="0"/>
-              <a:buNone/>
-            </a:pPr>
-            <a:r>
-              <a:rPr lang="en-US" sz="2800" b="1">
-                <a:latin typeface="Courier New" charset="0"/>
-                <a:cs typeface="Courier New" charset="0"/>
-              </a:rPr>
-              <a:t>int checkEvenOdd() {</a:t>
-            </a:r>
-          </a:p>
-          <a:p>
-            <a:pPr>
-              <a:lnSpc>
-                <a:spcPct val="80000"/>
-              </a:lnSpc>
-              <a:buFont typeface="Wingdings" charset="0"/>
-              <a:buNone/>
-            </a:pPr>
-            <a:r>
-              <a:rPr lang="en-US" sz="2800" b="1">
-                <a:latin typeface="Courier New" charset="0"/>
-                <a:cs typeface="Courier New" charset="0"/>
-              </a:rPr>
-              <a:t>	int value;</a:t>
-            </a:r>
-          </a:p>
-          <a:p>
-            <a:pPr>
-              <a:lnSpc>
-                <a:spcPct val="80000"/>
-              </a:lnSpc>
-              <a:buFont typeface="Wingdings" charset="0"/>
-              <a:buNone/>
-            </a:pPr>
-            <a:r>
-              <a:rPr lang="en-US" sz="2800" b="1">
-                <a:latin typeface="Courier New" charset="0"/>
-                <a:cs typeface="Courier New" charset="0"/>
-              </a:rPr>
-              <a:t>	scanf(</a:t>
-            </a:r>
-            <a:r>
-              <a:rPr lang="ja-JP" altLang="en-US" sz="2800" b="1">
-                <a:latin typeface="Courier New" charset="0"/>
-                <a:cs typeface="Courier New" charset="0"/>
-              </a:rPr>
-              <a:t>“</a:t>
-            </a:r>
-            <a:r>
-              <a:rPr lang="en-US" altLang="ja-JP" sz="2800" b="1">
-                <a:latin typeface="Courier New" charset="0"/>
-                <a:cs typeface="Courier New" charset="0"/>
-              </a:rPr>
-              <a:t>%d</a:t>
-            </a:r>
-            <a:r>
-              <a:rPr lang="ja-JP" altLang="en-US" sz="2800" b="1">
-                <a:latin typeface="Courier New" charset="0"/>
-                <a:cs typeface="Courier New" charset="0"/>
-              </a:rPr>
-              <a:t>”</a:t>
-            </a:r>
-            <a:r>
-              <a:rPr lang="en-US" altLang="ja-JP" sz="2800" b="1">
-                <a:latin typeface="Courier New" charset="0"/>
-                <a:cs typeface="Courier New" charset="0"/>
-              </a:rPr>
-              <a:t>, &amp;value);</a:t>
-            </a:r>
-          </a:p>
-          <a:p>
-            <a:pPr>
-              <a:lnSpc>
-                <a:spcPct val="80000"/>
-              </a:lnSpc>
-              <a:buFont typeface="Wingdings" charset="0"/>
-              <a:buNone/>
-            </a:pPr>
-            <a:r>
-              <a:rPr lang="en-US" sz="2800" b="1">
-                <a:latin typeface="Courier New" charset="0"/>
-                <a:cs typeface="Courier New" charset="0"/>
-              </a:rPr>
-              <a:t>	if ((value % 2) == 0)</a:t>
-            </a:r>
-          </a:p>
-          <a:p>
-            <a:pPr>
-              <a:lnSpc>
-                <a:spcPct val="80000"/>
-              </a:lnSpc>
-              <a:buFont typeface="Wingdings" charset="0"/>
-              <a:buNone/>
-            </a:pPr>
-            <a:r>
-              <a:rPr lang="en-US" sz="2800" b="1">
-                <a:latin typeface="Courier New" charset="0"/>
-                <a:cs typeface="Courier New" charset="0"/>
-              </a:rPr>
-              <a:t>		return 1;</a:t>
-            </a:r>
-          </a:p>
-          <a:p>
-            <a:pPr>
-              <a:lnSpc>
-                <a:spcPct val="80000"/>
-              </a:lnSpc>
-              <a:buFont typeface="Wingdings" charset="0"/>
-              <a:buNone/>
-            </a:pPr>
-            <a:r>
-              <a:rPr lang="en-US" sz="2800" b="1">
-                <a:latin typeface="Courier New" charset="0"/>
-                <a:cs typeface="Courier New" charset="0"/>
-              </a:rPr>
-              <a:t>	else</a:t>
-            </a:r>
-          </a:p>
-          <a:p>
-            <a:pPr>
-              <a:lnSpc>
-                <a:spcPct val="80000"/>
-              </a:lnSpc>
-              <a:buFont typeface="Wingdings" charset="0"/>
-              <a:buNone/>
-            </a:pPr>
-            <a:r>
-              <a:rPr lang="en-US" sz="2800" b="1">
-                <a:latin typeface="Courier New" charset="0"/>
-                <a:cs typeface="Courier New" charset="0"/>
-              </a:rPr>
-              <a:t>		return 0;</a:t>
-            </a:r>
-          </a:p>
-          <a:p>
-            <a:pPr>
-              <a:lnSpc>
-                <a:spcPct val="80000"/>
-              </a:lnSpc>
-              <a:buFont typeface="Wingdings" charset="0"/>
-              <a:buNone/>
-            </a:pPr>
-            <a:r>
-              <a:rPr lang="en-US" sz="2800" b="1">
-                <a:latin typeface="Courier New" charset="0"/>
-                <a:cs typeface="Courier New" charset="0"/>
-              </a:rPr>
-              <a:t>}</a:t>
-            </a:r>
-          </a:p>
-        </p:txBody>
-      </p:sp>
-      <p:sp>
-        <p:nvSpPr>
-          <p:cNvPr id="22531" name="Date Placeholder 3"/>
+            <a:pPr lvl="1"/>
+            <a:r>
+              <a:rPr lang="en-US" dirty="0" smtClean="0">
+                <a:latin typeface="Arial" charset="0"/>
+              </a:rPr>
+              <a:t>Reads </a:t>
+            </a:r>
+            <a:r>
+              <a:rPr lang="en-US" dirty="0">
+                <a:latin typeface="Arial" charset="0"/>
+              </a:rPr>
+              <a:t>an </a:t>
+            </a:r>
+            <a:r>
+              <a:rPr lang="en-US" u="sng" dirty="0">
+                <a:latin typeface="Arial" charset="0"/>
+              </a:rPr>
+              <a:t>integer</a:t>
+            </a:r>
+            <a:r>
+              <a:rPr lang="en-US" dirty="0">
+                <a:latin typeface="Arial" charset="0"/>
+              </a:rPr>
+              <a:t> value from the console input and returns 1 if the value is even, 0 if it’s odd</a:t>
+            </a:r>
+          </a:p>
+          <a:p>
+            <a:pPr lvl="1"/>
+            <a:r>
+              <a:rPr lang="en-US" dirty="0">
+                <a:latin typeface="Arial" charset="0"/>
+              </a:rPr>
+              <a:t>Takes four </a:t>
+            </a:r>
+            <a:r>
+              <a:rPr lang="en-US" u="sng" dirty="0">
+                <a:latin typeface="Arial" charset="0"/>
+              </a:rPr>
+              <a:t>double-precision</a:t>
+            </a:r>
+            <a:r>
+              <a:rPr lang="en-US" dirty="0">
+                <a:latin typeface="Arial" charset="0"/>
+              </a:rPr>
+              <a:t> numbers as arguments and returns their average</a:t>
+            </a:r>
+          </a:p>
+        </p:txBody>
+      </p:sp>
+      <p:sp>
+        <p:nvSpPr>
+          <p:cNvPr id="20483" name="Date Placeholder 3"/>
           <p:cNvSpPr>
             <a:spLocks noGrp="1"/>
           </p:cNvSpPr>
@@ -8292,14 +8937,14 @@
           <a:noFill/>
           <a:ln/>
           <a:extLst>
-            <a:ext uri="{909E8E84-426E-40dd-AFC4-6F175D3DCCD1}">
+            <a:ext uri="{909E8E84-426E-40DD-AFC4-6F175D3DCCD1}">
               <a14:hiddenFill xmlns:a14="http://schemas.microsoft.com/office/drawing/2010/main">
                 <a:solidFill>
                   <a:srgbClr val="FFFFFF"/>
                 </a:solidFill>
               </a14:hiddenFill>
             </a:ext>
-            <a:ext uri="{91240B29-F687-4f45-9708-019B960494DF}">
+            <a:ext uri="{91240B29-F687-4F45-9708-019B960494DF}">
               <a14:hiddenLine xmlns:a14="http://schemas.microsoft.com/office/drawing/2010/main" w="9525">
                 <a:solidFill>
                   <a:srgbClr val="000000"/>
@@ -8423,11 +9068,11 @@
           </a:lstStyle>
           <a:p>
             <a:pPr eaLnBrk="1" hangingPunct="1"/>
-            <a:fld id="{2A17F45A-3D31-A74D-A73E-2CB198993BFE}" type="datetime1">
+            <a:fld id="{DDFC9FA4-429A-484B-848D-6D5077926CD7}" type="datetime1">
               <a:rPr lang="en-US" sz="1200" smtClean="0">
                 <a:latin typeface="Garamond" charset="0"/>
               </a:rPr>
-              <a:t>10/6/16</a:t>
+              <a:t>10/11/2016</a:t>
             </a:fld>
             <a:endParaRPr lang="en-US" sz="1200">
               <a:latin typeface="Garamond" charset="0"/>
@@ -8463,7 +9108,7 @@
       </p:sp>
       <p:sp>
         <p:nvSpPr>
-          <p:cNvPr id="22533" name="Slide Number Placeholder 5"/>
+          <p:cNvPr id="20485" name="Slide Number Placeholder 5"/>
           <p:cNvSpPr>
             <a:spLocks noGrp="1"/>
           </p:cNvSpPr>
@@ -8475,14 +9120,14 @@
           <a:noFill/>
           <a:ln/>
           <a:extLst>
-            <a:ext uri="{909E8E84-426E-40dd-AFC4-6F175D3DCCD1}">
+            <a:ext uri="{909E8E84-426E-40DD-AFC4-6F175D3DCCD1}">
               <a14:hiddenFill xmlns:a14="http://schemas.microsoft.com/office/drawing/2010/main">
                 <a:solidFill>
                   <a:srgbClr val="FFFFFF"/>
                 </a:solidFill>
               </a14:hiddenFill>
             </a:ext>
-            <a:ext uri="{91240B29-F687-4f45-9708-019B960494DF}">
+            <a:ext uri="{91240B29-F687-4F45-9708-019B960494DF}">
               <a14:hiddenLine xmlns:a14="http://schemas.microsoft.com/office/drawing/2010/main" w="9525">
                 <a:solidFill>
                   <a:srgbClr val="000000"/>
@@ -8606,7 +9251,7 @@
           </a:lstStyle>
           <a:p>
             <a:pPr eaLnBrk="1" hangingPunct="1"/>
-            <a:fld id="{9B3CB1AC-8C64-F546-9AC7-257D01240E8C}" type="slidenum">
+            <a:fld id="{62584C16-227E-F742-B88E-734FA6805BFD}" type="slidenum">
               <a:rPr lang="en-US" sz="1200">
                 <a:latin typeface="Garamond" charset="0"/>
               </a:rPr>
@@ -8627,7 +9272,7 @@
   <p:timing>
     <p:tnLst>
       <p:par>
-        <p:cTn xmlns:p14="http://schemas.microsoft.com/office/powerpoint/2010/main" id="1" dur="indefinite" restart="never" nodeType="tmRoot"/>
+        <p:cTn id="1" dur="indefinite" restart="never" nodeType="tmRoot"/>
       </p:par>
     </p:tnLst>
   </p:timing>
@@ -8653,7 +9298,7 @@
       </p:grpSpPr>
       <p:sp>
         <p:nvSpPr>
-          <p:cNvPr id="23553" name="Title 1"/>
+          <p:cNvPr id="21505" name="Title 1"/>
           <p:cNvSpPr>
             <a:spLocks noGrp="1"/>
           </p:cNvSpPr>
@@ -8670,14 +9315,14 @@
               <a:rPr lang="en-US">
                 <a:latin typeface="Garamond" charset="0"/>
               </a:rPr>
-              <a:t>Example solutions (cont)</a:t>
-            </a:r>
-          </a:p>
-        </p:txBody>
-      </p:sp>
-      <p:sp>
-        <p:nvSpPr>
-          <p:cNvPr id="23554" name="Content Placeholder 2"/>
+              <a:t>Example solutions</a:t>
+            </a:r>
+          </a:p>
+        </p:txBody>
+      </p:sp>
+      <p:sp>
+        <p:nvSpPr>
+          <p:cNvPr id="21506" name="Content Placeholder 2"/>
           <p:cNvSpPr>
             <a:spLocks noGrp="1"/>
           </p:cNvSpPr>
@@ -8690,117 +9335,285 @@
           <a:bodyPr/>
           <a:lstStyle/>
           <a:p>
-            <a:pPr marL="342900" lvl="1" indent="-342900">
-              <a:buClr>
-                <a:schemeClr val="accent1"/>
-              </a:buClr>
-              <a:buSzPct val="65000"/>
-              <a:buFont typeface="Wingdings" charset="0"/>
-              <a:buChar char="n"/>
-            </a:pPr>
-            <a:r>
-              <a:rPr lang="en-US">
-                <a:latin typeface="Arial" charset="0"/>
-              </a:rPr>
-              <a:t>Write a function that: takes four </a:t>
-            </a:r>
-            <a:r>
-              <a:rPr lang="en-US" u="sng">
-                <a:latin typeface="Arial" charset="0"/>
-              </a:rPr>
-              <a:t>double-precision</a:t>
-            </a:r>
-            <a:r>
-              <a:rPr lang="en-US">
-                <a:latin typeface="Arial" charset="0"/>
-              </a:rPr>
-              <a:t> numbers as arguments and returns their average</a:t>
-            </a:r>
-          </a:p>
-          <a:p>
             <a:pPr>
+              <a:lnSpc>
+                <a:spcPct val="90000"/>
+              </a:lnSpc>
+            </a:pPr>
+            <a:r>
+              <a:rPr lang="en-US" dirty="0">
+                <a:latin typeface="Arial" charset="0"/>
+              </a:rPr>
+              <a:t>Write a function that: </a:t>
+            </a:r>
+            <a:r>
+              <a:rPr lang="en-US" dirty="0" smtClean="0">
+                <a:latin typeface="Arial" charset="0"/>
+              </a:rPr>
+              <a:t>Takes an </a:t>
+            </a:r>
+            <a:r>
+              <a:rPr lang="en-US" u="sng" dirty="0" smtClean="0">
+                <a:latin typeface="Arial" charset="0"/>
+              </a:rPr>
+              <a:t>integer</a:t>
+            </a:r>
+            <a:r>
+              <a:rPr lang="en-US" dirty="0" smtClean="0">
+                <a:latin typeface="Arial" charset="0"/>
+              </a:rPr>
+              <a:t>, length, as an argument and prints a series of “length” dashes on a single line</a:t>
+            </a:r>
+          </a:p>
+          <a:p>
+            <a:pPr>
+              <a:lnSpc>
+                <a:spcPct val="90000"/>
+              </a:lnSpc>
+            </a:pPr>
+            <a:endParaRPr lang="en-US" dirty="0">
+              <a:latin typeface="Arial" charset="0"/>
+            </a:endParaRPr>
+          </a:p>
+          <a:p>
+            <a:pPr>
+              <a:lnSpc>
+                <a:spcPct val="90000"/>
+              </a:lnSpc>
               <a:buFont typeface="Wingdings" charset="0"/>
               <a:buNone/>
             </a:pPr>
-            <a:endParaRPr lang="en-US">
-              <a:latin typeface="Arial" charset="0"/>
-            </a:endParaRPr>
+            <a:r>
+              <a:rPr lang="en-US" b="1" dirty="0">
+                <a:latin typeface="Courier New" charset="0"/>
+                <a:cs typeface="Courier New" charset="0"/>
+              </a:rPr>
+              <a:t>void </a:t>
+            </a:r>
+            <a:r>
+              <a:rPr lang="en-US" b="1" dirty="0" err="1">
+                <a:latin typeface="Courier New" charset="0"/>
+                <a:cs typeface="Courier New" charset="0"/>
+              </a:rPr>
+              <a:t>printLine</a:t>
+            </a:r>
+            <a:r>
+              <a:rPr lang="en-US" b="1" dirty="0" smtClean="0">
+                <a:latin typeface="Courier New" charset="0"/>
+                <a:cs typeface="Courier New" charset="0"/>
+              </a:rPr>
+              <a:t>(</a:t>
+            </a:r>
+            <a:r>
+              <a:rPr lang="en-US" b="1" dirty="0" err="1" smtClean="0">
+                <a:latin typeface="Courier New" charset="0"/>
+                <a:cs typeface="Courier New" charset="0"/>
+              </a:rPr>
+              <a:t>int</a:t>
+            </a:r>
+            <a:r>
+              <a:rPr lang="en-US" b="1" dirty="0" smtClean="0">
+                <a:latin typeface="Courier New" charset="0"/>
+                <a:cs typeface="Courier New" charset="0"/>
+              </a:rPr>
+              <a:t> length) </a:t>
+            </a:r>
+            <a:r>
+              <a:rPr lang="en-US" b="1" dirty="0">
+                <a:latin typeface="Courier New" charset="0"/>
+                <a:cs typeface="Courier New" charset="0"/>
+              </a:rPr>
+              <a:t>{</a:t>
+            </a:r>
           </a:p>
           <a:p>
             <a:pPr>
+              <a:lnSpc>
+                <a:spcPct val="90000"/>
+              </a:lnSpc>
               <a:buFont typeface="Wingdings" charset="0"/>
               <a:buNone/>
             </a:pPr>
             <a:r>
-              <a:rPr lang="en-US" b="1">
+              <a:rPr lang="en-US" b="1" dirty="0">
                 <a:latin typeface="Courier New" charset="0"/>
                 <a:cs typeface="Courier New" charset="0"/>
               </a:rPr>
-              <a:t>double avgFour(double a, double b,</a:t>
+              <a:t>	</a:t>
+            </a:r>
+            <a:r>
+              <a:rPr lang="en-US" b="1" dirty="0" err="1">
+                <a:latin typeface="Courier New" charset="0"/>
+                <a:cs typeface="Courier New" charset="0"/>
+              </a:rPr>
+              <a:t>int</a:t>
+            </a:r>
+            <a:r>
+              <a:rPr lang="en-US" b="1" dirty="0">
+                <a:latin typeface="Courier New" charset="0"/>
+                <a:cs typeface="Courier New" charset="0"/>
+              </a:rPr>
+              <a:t> </a:t>
+            </a:r>
+            <a:r>
+              <a:rPr lang="en-US" b="1" dirty="0" err="1">
+                <a:latin typeface="Courier New" charset="0"/>
+                <a:cs typeface="Courier New" charset="0"/>
+              </a:rPr>
+              <a:t>i</a:t>
+            </a:r>
+            <a:r>
+              <a:rPr lang="en-US" b="1" dirty="0">
+                <a:latin typeface="Courier New" charset="0"/>
+                <a:cs typeface="Courier New" charset="0"/>
+              </a:rPr>
+              <a:t>;</a:t>
             </a:r>
           </a:p>
           <a:p>
             <a:pPr>
+              <a:lnSpc>
+                <a:spcPct val="90000"/>
+              </a:lnSpc>
               <a:buFont typeface="Wingdings" charset="0"/>
               <a:buNone/>
             </a:pPr>
             <a:r>
-              <a:rPr lang="en-US" b="1">
+              <a:rPr lang="en-US" b="1" dirty="0">
                 <a:latin typeface="Courier New" charset="0"/>
                 <a:cs typeface="Courier New" charset="0"/>
               </a:rPr>
-              <a:t>					double c, double d)</a:t>
+              <a:t>	for (</a:t>
+            </a:r>
+            <a:r>
+              <a:rPr lang="en-US" b="1" dirty="0" err="1">
+                <a:latin typeface="Courier New" charset="0"/>
+                <a:cs typeface="Courier New" charset="0"/>
+              </a:rPr>
+              <a:t>i</a:t>
+            </a:r>
+            <a:r>
+              <a:rPr lang="en-US" b="1" dirty="0">
+                <a:latin typeface="Courier New" charset="0"/>
+                <a:cs typeface="Courier New" charset="0"/>
+              </a:rPr>
+              <a:t> = 0; </a:t>
+            </a:r>
+            <a:r>
+              <a:rPr lang="en-US" b="1" dirty="0" err="1">
+                <a:latin typeface="Courier New" charset="0"/>
+                <a:cs typeface="Courier New" charset="0"/>
+              </a:rPr>
+              <a:t>i</a:t>
+            </a:r>
+            <a:r>
+              <a:rPr lang="en-US" b="1" dirty="0">
+                <a:latin typeface="Courier New" charset="0"/>
+                <a:cs typeface="Courier New" charset="0"/>
+              </a:rPr>
+              <a:t> &lt; </a:t>
+            </a:r>
+            <a:r>
+              <a:rPr lang="en-US" b="1" dirty="0" smtClean="0">
+                <a:latin typeface="Courier New" charset="0"/>
+                <a:cs typeface="Courier New" charset="0"/>
+              </a:rPr>
+              <a:t>length; </a:t>
+            </a:r>
+            <a:r>
+              <a:rPr lang="en-US" b="1" dirty="0" err="1">
+                <a:latin typeface="Courier New" charset="0"/>
+                <a:cs typeface="Courier New" charset="0"/>
+              </a:rPr>
+              <a:t>i</a:t>
+            </a:r>
+            <a:r>
+              <a:rPr lang="en-US" b="1" dirty="0">
+                <a:latin typeface="Courier New" charset="0"/>
+                <a:cs typeface="Courier New" charset="0"/>
+              </a:rPr>
+              <a:t>++)</a:t>
             </a:r>
           </a:p>
           <a:p>
             <a:pPr>
+              <a:lnSpc>
+                <a:spcPct val="90000"/>
+              </a:lnSpc>
               <a:buFont typeface="Wingdings" charset="0"/>
               <a:buNone/>
             </a:pPr>
             <a:r>
-              <a:rPr lang="en-US" b="1">
+              <a:rPr lang="en-US" b="1" dirty="0">
                 <a:latin typeface="Courier New" charset="0"/>
                 <a:cs typeface="Courier New" charset="0"/>
               </a:rPr>
-              <a:t>{</a:t>
+              <a:t>		</a:t>
+            </a:r>
+            <a:r>
+              <a:rPr lang="en-US" b="1" dirty="0" err="1">
+                <a:latin typeface="Courier New" charset="0"/>
+                <a:cs typeface="Courier New" charset="0"/>
+              </a:rPr>
+              <a:t>printf</a:t>
+            </a:r>
+            <a:r>
+              <a:rPr lang="en-US" b="1" dirty="0">
+                <a:latin typeface="Courier New" charset="0"/>
+                <a:cs typeface="Courier New" charset="0"/>
+              </a:rPr>
+              <a:t>(</a:t>
+            </a:r>
+            <a:r>
+              <a:rPr lang="ja-JP" altLang="en-US" b="1" dirty="0">
+                <a:latin typeface="Courier New" charset="0"/>
+                <a:cs typeface="Courier New" charset="0"/>
+              </a:rPr>
+              <a:t>“</a:t>
+            </a:r>
+            <a:r>
+              <a:rPr lang="en-US" altLang="ja-JP" b="1" dirty="0">
+                <a:latin typeface="Courier New" charset="0"/>
+                <a:cs typeface="Courier New" charset="0"/>
+              </a:rPr>
+              <a:t>-</a:t>
+            </a:r>
+            <a:r>
+              <a:rPr lang="ja-JP" altLang="en-US" b="1" dirty="0">
+                <a:latin typeface="Courier New" charset="0"/>
+                <a:cs typeface="Courier New" charset="0"/>
+              </a:rPr>
+              <a:t>”</a:t>
+            </a:r>
+            <a:r>
+              <a:rPr lang="en-US" altLang="ja-JP" b="1" dirty="0">
+                <a:latin typeface="Courier New" charset="0"/>
+                <a:cs typeface="Courier New" charset="0"/>
+              </a:rPr>
+              <a:t>);</a:t>
             </a:r>
           </a:p>
           <a:p>
             <a:pPr>
+              <a:lnSpc>
+                <a:spcPct val="90000"/>
+              </a:lnSpc>
               <a:buFont typeface="Wingdings" charset="0"/>
               <a:buNone/>
             </a:pPr>
             <a:r>
-              <a:rPr lang="en-US" b="1">
+              <a:rPr lang="en-US" b="1" dirty="0">
                 <a:latin typeface="Courier New" charset="0"/>
                 <a:cs typeface="Courier New" charset="0"/>
               </a:rPr>
-              <a:t>	return (a + b + c + d) / 4.0;</a:t>
-            </a:r>
-          </a:p>
-          <a:p>
-            <a:pPr>
-              <a:buFont typeface="Wingdings" charset="0"/>
-              <a:buNone/>
-            </a:pPr>
-            <a:r>
-              <a:rPr lang="en-US" b="1">
-                <a:latin typeface="Courier New" charset="0"/>
-                <a:cs typeface="Courier New" charset="0"/>
-              </a:rPr>
               <a:t>}</a:t>
             </a:r>
           </a:p>
-          <a:p>
-            <a:endParaRPr lang="en-US">
-              <a:latin typeface="Arial" charset="0"/>
-            </a:endParaRPr>
-          </a:p>
-        </p:txBody>
-      </p:sp>
-      <p:sp>
-        <p:nvSpPr>
-          <p:cNvPr id="23555" name="Date Placeholder 3"/>
+        </p:txBody>
+      </p:sp>
+      <p:sp>
+        <p:nvSpPr>
+          <p:cNvPr id="21507" name="Date Placeholder 3"/>
           <p:cNvSpPr>
             <a:spLocks noGrp="1"/>
           </p:cNvSpPr>
@@ -8812,14 +9625,14 @@
           <a:noFill/>
           <a:ln/>
           <a:extLst>
-            <a:ext uri="{909E8E84-426E-40dd-AFC4-6F175D3DCCD1}">
+            <a:ext uri="{909E8E84-426E-40DD-AFC4-6F175D3DCCD1}">
               <a14:hiddenFill xmlns:a14="http://schemas.microsoft.com/office/drawing/2010/main">
                 <a:solidFill>
                   <a:srgbClr val="FFFFFF"/>
                 </a:solidFill>
               </a14:hiddenFill>
             </a:ext>
-            <a:ext uri="{91240B29-F687-4f45-9708-019B960494DF}">
+            <a:ext uri="{91240B29-F687-4F45-9708-019B960494DF}">
               <a14:hiddenLine xmlns:a14="http://schemas.microsoft.com/office/drawing/2010/main" w="9525">
                 <a:solidFill>
                   <a:srgbClr val="000000"/>
@@ -8943,11 +9756,11 @@
           </a:lstStyle>
           <a:p>
             <a:pPr eaLnBrk="1" hangingPunct="1"/>
-            <a:fld id="{4CD1804C-6BED-FB40-84AD-30FAC63498E5}" type="datetime1">
+            <a:fld id="{E1767F4B-076F-2048-997F-096B5AFF7461}" type="datetime1">
               <a:rPr lang="en-US" sz="1200" smtClean="0">
                 <a:latin typeface="Garamond" charset="0"/>
               </a:rPr>
-              <a:t>10/6/16</a:t>
+              <a:t>10/11/2016</a:t>
             </a:fld>
             <a:endParaRPr lang="en-US" sz="1200">
               <a:latin typeface="Garamond" charset="0"/>
@@ -8983,7 +9796,7 @@
       </p:sp>
       <p:sp>
         <p:nvSpPr>
-          <p:cNvPr id="23557" name="Slide Number Placeholder 5"/>
+          <p:cNvPr id="21509" name="Slide Number Placeholder 5"/>
           <p:cNvSpPr>
             <a:spLocks noGrp="1"/>
           </p:cNvSpPr>
@@ -8995,14 +9808,14 @@
           <a:noFill/>
           <a:ln/>
           <a:extLst>
-            <a:ext uri="{909E8E84-426E-40dd-AFC4-6F175D3DCCD1}">
+            <a:ext uri="{909E8E84-426E-40DD-AFC4-6F175D3DCCD1}">
               <a14:hiddenFill xmlns:a14="http://schemas.microsoft.com/office/drawing/2010/main">
                 <a:solidFill>
                   <a:srgbClr val="FFFFFF"/>
                 </a:solidFill>
               </a14:hiddenFill>
             </a:ext>
-            <a:ext uri="{91240B29-F687-4f45-9708-019B960494DF}">
+            <a:ext uri="{91240B29-F687-4F45-9708-019B960494DF}">
               <a14:hiddenLine xmlns:a14="http://schemas.microsoft.com/office/drawing/2010/main" w="9525">
                 <a:solidFill>
                   <a:srgbClr val="000000"/>
@@ -9126,7 +9939,7 @@
           </a:lstStyle>
           <a:p>
             <a:pPr eaLnBrk="1" hangingPunct="1"/>
-            <a:fld id="{D7F0D360-0832-184B-B5A4-554EC371029C}" type="slidenum">
+            <a:fld id="{F340EDFB-CCAB-5846-AF4C-C5DE0290D5F2}" type="slidenum">
               <a:rPr lang="en-US" sz="1200">
                 <a:latin typeface="Garamond" charset="0"/>
               </a:rPr>
@@ -9147,7 +9960,7 @@
   <p:timing>
     <p:tnLst>
       <p:par>
-        <p:cTn xmlns:p14="http://schemas.microsoft.com/office/powerpoint/2010/main" id="1" dur="indefinite" restart="never" nodeType="tmRoot"/>
+        <p:cTn id="1" dur="indefinite" restart="never" nodeType="tmRoot"/>
       </p:par>
     </p:tnLst>
   </p:timing>
@@ -9173,7 +9986,7 @@
       </p:grpSpPr>
       <p:sp>
         <p:nvSpPr>
-          <p:cNvPr id="24577" name="Title 1"/>
+          <p:cNvPr id="22529" name="Title 1"/>
           <p:cNvSpPr>
             <a:spLocks noGrp="1"/>
           </p:cNvSpPr>
@@ -9190,14 +10003,14 @@
               <a:rPr lang="en-US">
                 <a:latin typeface="Garamond" charset="0"/>
               </a:rPr>
-              <a:t>Final notes</a:t>
-            </a:r>
-          </a:p>
-        </p:txBody>
-      </p:sp>
-      <p:sp>
-        <p:nvSpPr>
-          <p:cNvPr id="24578" name="Content Placeholder 2"/>
+              <a:t>Example solutions (cont.)</a:t>
+            </a:r>
+          </a:p>
+        </p:txBody>
+      </p:sp>
+      <p:sp>
+        <p:nvSpPr>
+          <p:cNvPr id="22530" name="Content Placeholder 2"/>
           <p:cNvSpPr>
             <a:spLocks noGrp="1"/>
           </p:cNvSpPr>
@@ -9207,135 +10020,224 @@
         </p:nvSpPr>
         <p:spPr/>
         <p:txBody>
-          <a:bodyPr>
-            <a:normAutofit/>
-          </a:bodyPr>
+          <a:bodyPr/>
           <a:lstStyle/>
           <a:p>
-            <a:r>
-              <a:rPr lang="en-US" dirty="0">
-                <a:latin typeface="Arial" charset="0"/>
-              </a:rPr>
-              <a:t>Next time</a:t>
-            </a:r>
-          </a:p>
-          <a:p>
-            <a:pPr lvl="1"/>
-            <a:r>
-              <a:rPr lang="en-US" dirty="0" smtClean="0">
-                <a:latin typeface="Arial" charset="0"/>
-              </a:rPr>
-              <a:t>Pointers</a:t>
-            </a:r>
-            <a:endParaRPr lang="en-US" dirty="0">
+            <a:pPr marL="342900" lvl="1" indent="-342900">
+              <a:lnSpc>
+                <a:spcPct val="80000"/>
+              </a:lnSpc>
+              <a:buClr>
+                <a:schemeClr val="accent1"/>
+              </a:buClr>
+              <a:buSzPct val="65000"/>
+              <a:buFont typeface="Wingdings" charset="0"/>
+              <a:buChar char="n"/>
+            </a:pPr>
+            <a:r>
+              <a:rPr lang="en-US" sz="2400">
+                <a:latin typeface="Arial" charset="0"/>
+              </a:rPr>
+              <a:t>Write a function that: reads an </a:t>
+            </a:r>
+            <a:r>
+              <a:rPr lang="en-US" sz="2400" u="sng">
+                <a:latin typeface="Arial" charset="0"/>
+              </a:rPr>
+              <a:t>integer</a:t>
+            </a:r>
+            <a:r>
+              <a:rPr lang="en-US" sz="2400">
+                <a:latin typeface="Arial" charset="0"/>
+              </a:rPr>
+              <a:t> value from the console input and returns 1 if the value is even, 0 if it</a:t>
+            </a:r>
+            <a:r>
+              <a:rPr lang="ja-JP" altLang="en-US" sz="2400">
+                <a:latin typeface="Arial" charset="0"/>
+              </a:rPr>
+              <a:t>’</a:t>
+            </a:r>
+            <a:r>
+              <a:rPr lang="en-US" altLang="ja-JP" sz="2400">
+                <a:latin typeface="Arial" charset="0"/>
+              </a:rPr>
+              <a:t>s odd</a:t>
+            </a:r>
+          </a:p>
+          <a:p>
+            <a:pPr>
+              <a:lnSpc>
+                <a:spcPct val="80000"/>
+              </a:lnSpc>
+              <a:buFont typeface="Wingdings" charset="0"/>
+              <a:buNone/>
+            </a:pPr>
+            <a:endParaRPr lang="en-US" sz="2800">
               <a:latin typeface="Arial" charset="0"/>
             </a:endParaRPr>
           </a:p>
           <a:p>
-            <a:r>
-              <a:rPr lang="en-US" dirty="0">
-                <a:latin typeface="Arial" charset="0"/>
-              </a:rPr>
-              <a:t>Reminders:</a:t>
-            </a:r>
-          </a:p>
-          <a:p>
-            <a:pPr lvl="1">
+            <a:pPr>
               <a:lnSpc>
-                <a:spcPct val="90000"/>
+                <a:spcPct val="80000"/>
               </a:lnSpc>
-            </a:pPr>
-            <a:r>
-              <a:rPr lang="en-US" dirty="0">
-                <a:latin typeface="Arial" charset="0"/>
-              </a:rPr>
-              <a:t>Program 2 grading done; </a:t>
-            </a:r>
-            <a:r>
-              <a:rPr lang="en-US" dirty="0" err="1">
-                <a:latin typeface="Arial" charset="0"/>
-              </a:rPr>
-              <a:t>regrades</a:t>
-            </a:r>
-            <a:r>
-              <a:rPr lang="en-US" dirty="0">
-                <a:latin typeface="Arial" charset="0"/>
-              </a:rPr>
-              <a:t> due 10/14</a:t>
-            </a:r>
-          </a:p>
-          <a:p>
-            <a:pPr lvl="2">
+              <a:buFont typeface="Wingdings" charset="0"/>
+              <a:buNone/>
+            </a:pPr>
+            <a:r>
+              <a:rPr lang="en-US" sz="2800" b="1">
+                <a:latin typeface="Courier New" charset="0"/>
+                <a:cs typeface="Courier New" charset="0"/>
+              </a:rPr>
+              <a:t>int checkEvenOdd() {</a:t>
+            </a:r>
+          </a:p>
+          <a:p>
+            <a:pPr>
               <a:lnSpc>
-                <a:spcPct val="90000"/>
+                <a:spcPct val="80000"/>
               </a:lnSpc>
-            </a:pPr>
-            <a:r>
-              <a:rPr lang="en-US" u="sng" dirty="0">
-                <a:latin typeface="Arial" charset="0"/>
-              </a:rPr>
-              <a:t>Please do not change file name</a:t>
-            </a:r>
-          </a:p>
-          <a:p>
-            <a:pPr lvl="2">
+              <a:buFont typeface="Wingdings" charset="0"/>
+              <a:buNone/>
+            </a:pPr>
+            <a:r>
+              <a:rPr lang="en-US" sz="2800" b="1">
+                <a:latin typeface="Courier New" charset="0"/>
+                <a:cs typeface="Courier New" charset="0"/>
+              </a:rPr>
+              <a:t>	int value;</a:t>
+            </a:r>
+          </a:p>
+          <a:p>
+            <a:pPr>
               <a:lnSpc>
-                <a:spcPct val="90000"/>
+                <a:spcPct val="80000"/>
               </a:lnSpc>
-            </a:pPr>
-            <a:r>
-              <a:rPr lang="en-US" dirty="0">
-                <a:latin typeface="Arial" charset="0"/>
-              </a:rPr>
-              <a:t>Must e-mail Dr. Geiger with </a:t>
-            </a:r>
-            <a:r>
-              <a:rPr lang="en-US" dirty="0" err="1">
-                <a:latin typeface="Arial" charset="0"/>
-              </a:rPr>
-              <a:t>regrade</a:t>
-            </a:r>
-            <a:r>
-              <a:rPr lang="en-US" dirty="0">
-                <a:latin typeface="Arial" charset="0"/>
-              </a:rPr>
-              <a:t> requests (and for late submissions)</a:t>
-            </a:r>
-          </a:p>
-          <a:p>
-            <a:pPr lvl="1">
+              <a:buFont typeface="Wingdings" charset="0"/>
+              <a:buNone/>
+            </a:pPr>
+            <a:r>
+              <a:rPr lang="en-US" sz="2800" b="1">
+                <a:latin typeface="Courier New" charset="0"/>
+                <a:cs typeface="Courier New" charset="0"/>
+              </a:rPr>
+              <a:t>	scanf(</a:t>
+            </a:r>
+            <a:r>
+              <a:rPr lang="ja-JP" altLang="en-US" sz="2800" b="1">
+                <a:latin typeface="Courier New" charset="0"/>
+                <a:cs typeface="Courier New" charset="0"/>
+              </a:rPr>
+              <a:t>“</a:t>
+            </a:r>
+            <a:r>
+              <a:rPr lang="en-US" altLang="ja-JP" sz="2800" b="1">
+                <a:latin typeface="Courier New" charset="0"/>
+                <a:cs typeface="Courier New" charset="0"/>
+              </a:rPr>
+              <a:t>%d</a:t>
+            </a:r>
+            <a:r>
+              <a:rPr lang="ja-JP" altLang="en-US" sz="2800" b="1">
+                <a:latin typeface="Courier New" charset="0"/>
+                <a:cs typeface="Courier New" charset="0"/>
+              </a:rPr>
+              <a:t>”</a:t>
+            </a:r>
+            <a:r>
+              <a:rPr lang="en-US" altLang="ja-JP" sz="2800" b="1">
+                <a:latin typeface="Courier New" charset="0"/>
+                <a:cs typeface="Courier New" charset="0"/>
+              </a:rPr>
+              <a:t>, &amp;value);</a:t>
+            </a:r>
+          </a:p>
+          <a:p>
+            <a:pPr>
               <a:lnSpc>
-                <a:spcPct val="90000"/>
+                <a:spcPct val="80000"/>
               </a:lnSpc>
-            </a:pPr>
-            <a:r>
-              <a:rPr lang="en-US" dirty="0">
-                <a:latin typeface="Arial" charset="0"/>
-              </a:rPr>
-              <a:t>Program 4 due today</a:t>
-            </a:r>
-          </a:p>
-          <a:p>
-            <a:pPr lvl="1">
+              <a:buFont typeface="Wingdings" charset="0"/>
+              <a:buNone/>
+            </a:pPr>
+            <a:r>
+              <a:rPr lang="en-US" sz="2800" b="1">
+                <a:latin typeface="Courier New" charset="0"/>
+                <a:cs typeface="Courier New" charset="0"/>
+              </a:rPr>
+              <a:t>	if ((value % 2) == 0)</a:t>
+            </a:r>
+          </a:p>
+          <a:p>
+            <a:pPr>
               <a:lnSpc>
-                <a:spcPct val="90000"/>
+                <a:spcPct val="80000"/>
               </a:lnSpc>
-            </a:pPr>
-            <a:r>
-              <a:rPr lang="en-US" dirty="0">
-                <a:latin typeface="Arial" charset="0"/>
-              </a:rPr>
-              <a:t>Program 5 due 10/19</a:t>
-            </a:r>
-            <a:endParaRPr lang="en-US" dirty="0">
-              <a:latin typeface="Arial" charset="0"/>
-            </a:endParaRPr>
-          </a:p>
-        </p:txBody>
-      </p:sp>
-      <p:sp>
-        <p:nvSpPr>
-          <p:cNvPr id="24579" name="Date Placeholder 3"/>
+              <a:buFont typeface="Wingdings" charset="0"/>
+              <a:buNone/>
+            </a:pPr>
+            <a:r>
+              <a:rPr lang="en-US" sz="2800" b="1">
+                <a:latin typeface="Courier New" charset="0"/>
+                <a:cs typeface="Courier New" charset="0"/>
+              </a:rPr>
+              <a:t>		return 1;</a:t>
+            </a:r>
+          </a:p>
+          <a:p>
+            <a:pPr>
+              <a:lnSpc>
+                <a:spcPct val="80000"/>
+              </a:lnSpc>
+              <a:buFont typeface="Wingdings" charset="0"/>
+              <a:buNone/>
+            </a:pPr>
+            <a:r>
+              <a:rPr lang="en-US" sz="2800" b="1">
+                <a:latin typeface="Courier New" charset="0"/>
+                <a:cs typeface="Courier New" charset="0"/>
+              </a:rPr>
+              <a:t>	else</a:t>
+            </a:r>
+          </a:p>
+          <a:p>
+            <a:pPr>
+              <a:lnSpc>
+                <a:spcPct val="80000"/>
+              </a:lnSpc>
+              <a:buFont typeface="Wingdings" charset="0"/>
+              <a:buNone/>
+            </a:pPr>
+            <a:r>
+              <a:rPr lang="en-US" sz="2800" b="1">
+                <a:latin typeface="Courier New" charset="0"/>
+                <a:cs typeface="Courier New" charset="0"/>
+              </a:rPr>
+              <a:t>		return 0;</a:t>
+            </a:r>
+          </a:p>
+          <a:p>
+            <a:pPr>
+              <a:lnSpc>
+                <a:spcPct val="80000"/>
+              </a:lnSpc>
+              <a:buFont typeface="Wingdings" charset="0"/>
+              <a:buNone/>
+            </a:pPr>
+            <a:r>
+              <a:rPr lang="en-US" sz="2800" b="1">
+                <a:latin typeface="Courier New" charset="0"/>
+                <a:cs typeface="Courier New" charset="0"/>
+              </a:rPr>
+              <a:t>}</a:t>
+            </a:r>
+          </a:p>
+        </p:txBody>
+      </p:sp>
+      <p:sp>
+        <p:nvSpPr>
+          <p:cNvPr id="22531" name="Date Placeholder 3"/>
           <p:cNvSpPr>
             <a:spLocks noGrp="1"/>
           </p:cNvSpPr>
@@ -9347,14 +10249,14 @@
           <a:noFill/>
           <a:ln/>
           <a:extLst>
-            <a:ext uri="{909E8E84-426E-40dd-AFC4-6F175D3DCCD1}">
+            <a:ext uri="{909E8E84-426E-40DD-AFC4-6F175D3DCCD1}">
               <a14:hiddenFill xmlns:a14="http://schemas.microsoft.com/office/drawing/2010/main">
                 <a:solidFill>
                   <a:srgbClr val="FFFFFF"/>
                 </a:solidFill>
               </a14:hiddenFill>
             </a:ext>
-            <a:ext uri="{91240B29-F687-4f45-9708-019B960494DF}">
+            <a:ext uri="{91240B29-F687-4F45-9708-019B960494DF}">
               <a14:hiddenLine xmlns:a14="http://schemas.microsoft.com/office/drawing/2010/main" w="9525">
                 <a:solidFill>
                   <a:srgbClr val="000000"/>
@@ -9478,11 +10380,11 @@
           </a:lstStyle>
           <a:p>
             <a:pPr eaLnBrk="1" hangingPunct="1"/>
-            <a:fld id="{B9C3BC10-280A-6A43-8207-B19B7F1795C7}" type="datetime1">
+            <a:fld id="{2A17F45A-3D31-A74D-A73E-2CB198993BFE}" type="datetime1">
               <a:rPr lang="en-US" sz="1200" smtClean="0">
                 <a:latin typeface="Garamond" charset="0"/>
               </a:rPr>
-              <a:t>10/6/16</a:t>
+              <a:t>10/11/2016</a:t>
             </a:fld>
             <a:endParaRPr lang="en-US" sz="1200">
               <a:latin typeface="Garamond" charset="0"/>
@@ -9518,7 +10420,7 @@
       </p:sp>
       <p:sp>
         <p:nvSpPr>
-          <p:cNvPr id="24581" name="Slide Number Placeholder 5"/>
+          <p:cNvPr id="22533" name="Slide Number Placeholder 5"/>
           <p:cNvSpPr>
             <a:spLocks noGrp="1"/>
           </p:cNvSpPr>
@@ -9530,14 +10432,14 @@
           <a:noFill/>
           <a:ln/>
           <a:extLst>
-            <a:ext uri="{909E8E84-426E-40dd-AFC4-6F175D3DCCD1}">
+            <a:ext uri="{909E8E84-426E-40DD-AFC4-6F175D3DCCD1}">
               <a14:hiddenFill xmlns:a14="http://schemas.microsoft.com/office/drawing/2010/main">
                 <a:solidFill>
                   <a:srgbClr val="FFFFFF"/>
                 </a:solidFill>
               </a14:hiddenFill>
             </a:ext>
-            <a:ext uri="{91240B29-F687-4f45-9708-019B960494DF}">
+            <a:ext uri="{91240B29-F687-4F45-9708-019B960494DF}">
               <a14:hiddenLine xmlns:a14="http://schemas.microsoft.com/office/drawing/2010/main" w="9525">
                 <a:solidFill>
                   <a:srgbClr val="000000"/>
@@ -9661,7 +10563,7 @@
           </a:lstStyle>
           <a:p>
             <a:pPr eaLnBrk="1" hangingPunct="1"/>
-            <a:fld id="{CE786FF6-CB58-D24D-88A8-2536B12589EF}" type="slidenum">
+            <a:fld id="{9B3CB1AC-8C64-F546-9AC7-257D01240E8C}" type="slidenum">
               <a:rPr lang="en-US" sz="1200">
                 <a:latin typeface="Garamond" charset="0"/>
               </a:rPr>
@@ -9682,7 +10584,527 @@
   <p:timing>
     <p:tnLst>
       <p:par>
-        <p:cTn xmlns:p14="http://schemas.microsoft.com/office/powerpoint/2010/main" id="1" dur="indefinite" restart="never" nodeType="tmRoot"/>
+        <p:cTn id="1" dur="indefinite" restart="never" nodeType="tmRoot"/>
+      </p:par>
+    </p:tnLst>
+  </p:timing>
+</p:sld>
+</file>
+
+<file path=ppt/slides/slide9.xml><?xml version="1.0" encoding="utf-8"?>
+<p:sld xmlns:a="http://schemas.openxmlformats.org/drawingml/2006/main" xmlns:r="http://schemas.openxmlformats.org/officeDocument/2006/relationships" xmlns:p="http://schemas.openxmlformats.org/presentationml/2006/main">
+  <p:cSld>
+    <p:spTree>
+      <p:nvGrpSpPr>
+        <p:cNvPr id="1" name=""/>
+        <p:cNvGrpSpPr/>
+        <p:nvPr/>
+      </p:nvGrpSpPr>
+      <p:grpSpPr>
+        <a:xfrm>
+          <a:off x="0" y="0"/>
+          <a:ext cx="0" cy="0"/>
+          <a:chOff x="0" y="0"/>
+          <a:chExt cx="0" cy="0"/>
+        </a:xfrm>
+      </p:grpSpPr>
+      <p:sp>
+        <p:nvSpPr>
+          <p:cNvPr id="23553" name="Title 1"/>
+          <p:cNvSpPr>
+            <a:spLocks noGrp="1"/>
+          </p:cNvSpPr>
+          <p:nvPr>
+            <p:ph type="title"/>
+          </p:nvPr>
+        </p:nvSpPr>
+        <p:spPr/>
+        <p:txBody>
+          <a:bodyPr/>
+          <a:lstStyle/>
+          <a:p>
+            <a:r>
+              <a:rPr lang="en-US">
+                <a:latin typeface="Garamond" charset="0"/>
+              </a:rPr>
+              <a:t>Example solutions (cont)</a:t>
+            </a:r>
+          </a:p>
+        </p:txBody>
+      </p:sp>
+      <p:sp>
+        <p:nvSpPr>
+          <p:cNvPr id="23554" name="Content Placeholder 2"/>
+          <p:cNvSpPr>
+            <a:spLocks noGrp="1"/>
+          </p:cNvSpPr>
+          <p:nvPr>
+            <p:ph idx="1"/>
+          </p:nvPr>
+        </p:nvSpPr>
+        <p:spPr/>
+        <p:txBody>
+          <a:bodyPr/>
+          <a:lstStyle/>
+          <a:p>
+            <a:pPr marL="342900" lvl="1" indent="-342900">
+              <a:buClr>
+                <a:schemeClr val="accent1"/>
+              </a:buClr>
+              <a:buSzPct val="65000"/>
+              <a:buFont typeface="Wingdings" charset="0"/>
+              <a:buChar char="n"/>
+            </a:pPr>
+            <a:r>
+              <a:rPr lang="en-US">
+                <a:latin typeface="Arial" charset="0"/>
+              </a:rPr>
+              <a:t>Write a function that: takes four </a:t>
+            </a:r>
+            <a:r>
+              <a:rPr lang="en-US" u="sng">
+                <a:latin typeface="Arial" charset="0"/>
+              </a:rPr>
+              <a:t>double-precision</a:t>
+            </a:r>
+            <a:r>
+              <a:rPr lang="en-US">
+                <a:latin typeface="Arial" charset="0"/>
+              </a:rPr>
+              <a:t> numbers as arguments and returns their average</a:t>
+            </a:r>
+          </a:p>
+          <a:p>
+            <a:pPr>
+              <a:buFont typeface="Wingdings" charset="0"/>
+              <a:buNone/>
+            </a:pPr>
+            <a:endParaRPr lang="en-US">
+              <a:latin typeface="Arial" charset="0"/>
+            </a:endParaRPr>
+          </a:p>
+          <a:p>
+            <a:pPr>
+              <a:buFont typeface="Wingdings" charset="0"/>
+              <a:buNone/>
+            </a:pPr>
+            <a:r>
+              <a:rPr lang="en-US" b="1">
+                <a:latin typeface="Courier New" charset="0"/>
+                <a:cs typeface="Courier New" charset="0"/>
+              </a:rPr>
+              <a:t>double avgFour(double a, double b,</a:t>
+            </a:r>
+          </a:p>
+          <a:p>
+            <a:pPr>
+              <a:buFont typeface="Wingdings" charset="0"/>
+              <a:buNone/>
+            </a:pPr>
+            <a:r>
+              <a:rPr lang="en-US" b="1">
+                <a:latin typeface="Courier New" charset="0"/>
+                <a:cs typeface="Courier New" charset="0"/>
+              </a:rPr>
+              <a:t>					double c, double d)</a:t>
+            </a:r>
+          </a:p>
+          <a:p>
+            <a:pPr>
+              <a:buFont typeface="Wingdings" charset="0"/>
+              <a:buNone/>
+            </a:pPr>
+            <a:r>
+              <a:rPr lang="en-US" b="1">
+                <a:latin typeface="Courier New" charset="0"/>
+                <a:cs typeface="Courier New" charset="0"/>
+              </a:rPr>
+              <a:t>{</a:t>
+            </a:r>
+          </a:p>
+          <a:p>
+            <a:pPr>
+              <a:buFont typeface="Wingdings" charset="0"/>
+              <a:buNone/>
+            </a:pPr>
+            <a:r>
+              <a:rPr lang="en-US" b="1">
+                <a:latin typeface="Courier New" charset="0"/>
+                <a:cs typeface="Courier New" charset="0"/>
+              </a:rPr>
+              <a:t>	return (a + b + c + d) / 4.0;</a:t>
+            </a:r>
+          </a:p>
+          <a:p>
+            <a:pPr>
+              <a:buFont typeface="Wingdings" charset="0"/>
+              <a:buNone/>
+            </a:pPr>
+            <a:r>
+              <a:rPr lang="en-US" b="1">
+                <a:latin typeface="Courier New" charset="0"/>
+                <a:cs typeface="Courier New" charset="0"/>
+              </a:rPr>
+              <a:t>}</a:t>
+            </a:r>
+          </a:p>
+          <a:p>
+            <a:endParaRPr lang="en-US">
+              <a:latin typeface="Arial" charset="0"/>
+            </a:endParaRPr>
+          </a:p>
+        </p:txBody>
+      </p:sp>
+      <p:sp>
+        <p:nvSpPr>
+          <p:cNvPr id="23555" name="Date Placeholder 3"/>
+          <p:cNvSpPr>
+            <a:spLocks noGrp="1"/>
+          </p:cNvSpPr>
+          <p:nvPr>
+            <p:ph type="dt" sz="quarter" idx="10"/>
+          </p:nvPr>
+        </p:nvSpPr>
+        <p:spPr>
+          <a:noFill/>
+          <a:ln/>
+          <a:extLst>
+            <a:ext uri="{909E8E84-426E-40DD-AFC4-6F175D3DCCD1}">
+              <a14:hiddenFill xmlns:a14="http://schemas.microsoft.com/office/drawing/2010/main">
+                <a:solidFill>
+                  <a:srgbClr val="FFFFFF"/>
+                </a:solidFill>
+              </a14:hiddenFill>
+            </a:ext>
+            <a:ext uri="{91240B29-F687-4F45-9708-019B960494DF}">
+              <a14:hiddenLine xmlns:a14="http://schemas.microsoft.com/office/drawing/2010/main" w="9525">
+                <a:solidFill>
+                  <a:srgbClr val="000000"/>
+                </a:solidFill>
+                <a:miter lim="800000"/>
+                <a:headEnd/>
+                <a:tailEnd/>
+              </a14:hiddenLine>
+            </a:ext>
+          </a:extLst>
+        </p:spPr>
+        <p:txBody>
+          <a:bodyPr/>
+          <a:lstStyle>
+            <a:lvl1pPr eaLnBrk="0" hangingPunct="0">
+              <a:defRPr sz="2400">
+                <a:solidFill>
+                  <a:schemeClr val="tx1"/>
+                </a:solidFill>
+                <a:latin typeface="Arial" charset="0"/>
+                <a:ea typeface="ＭＳ Ｐゴシック" charset="0"/>
+                <a:cs typeface="ＭＳ Ｐゴシック" charset="0"/>
+              </a:defRPr>
+            </a:lvl1pPr>
+            <a:lvl2pPr marL="742950" indent="-285750" eaLnBrk="0" hangingPunct="0">
+              <a:defRPr sz="2400">
+                <a:solidFill>
+                  <a:schemeClr val="tx1"/>
+                </a:solidFill>
+                <a:latin typeface="Arial" charset="0"/>
+                <a:ea typeface="ＭＳ Ｐゴシック" charset="0"/>
+              </a:defRPr>
+            </a:lvl2pPr>
+            <a:lvl3pPr marL="1143000" indent="-228600" eaLnBrk="0" hangingPunct="0">
+              <a:defRPr sz="2400">
+                <a:solidFill>
+                  <a:schemeClr val="tx1"/>
+                </a:solidFill>
+                <a:latin typeface="Arial" charset="0"/>
+                <a:ea typeface="ＭＳ Ｐゴシック" charset="0"/>
+              </a:defRPr>
+            </a:lvl3pPr>
+            <a:lvl4pPr marL="1600200" indent="-228600" eaLnBrk="0" hangingPunct="0">
+              <a:defRPr sz="2400">
+                <a:solidFill>
+                  <a:schemeClr val="tx1"/>
+                </a:solidFill>
+                <a:latin typeface="Arial" charset="0"/>
+                <a:ea typeface="ＭＳ Ｐゴシック" charset="0"/>
+              </a:defRPr>
+            </a:lvl4pPr>
+            <a:lvl5pPr marL="2057400" indent="-228600" eaLnBrk="0" hangingPunct="0">
+              <a:defRPr sz="2400">
+                <a:solidFill>
+                  <a:schemeClr val="tx1"/>
+                </a:solidFill>
+                <a:latin typeface="Arial" charset="0"/>
+                <a:ea typeface="ＭＳ Ｐゴシック" charset="0"/>
+              </a:defRPr>
+            </a:lvl5pPr>
+            <a:lvl6pPr marL="2514600" indent="-228600" eaLnBrk="0" fontAlgn="base" hangingPunct="0">
+              <a:spcBef>
+                <a:spcPct val="0"/>
+              </a:spcBef>
+              <a:spcAft>
+                <a:spcPct val="0"/>
+              </a:spcAft>
+              <a:defRPr sz="2400">
+                <a:solidFill>
+                  <a:schemeClr val="tx1"/>
+                </a:solidFill>
+                <a:latin typeface="Arial" charset="0"/>
+                <a:ea typeface="ＭＳ Ｐゴシック" charset="0"/>
+              </a:defRPr>
+            </a:lvl6pPr>
+            <a:lvl7pPr marL="2971800" indent="-228600" eaLnBrk="0" fontAlgn="base" hangingPunct="0">
+              <a:spcBef>
+                <a:spcPct val="0"/>
+              </a:spcBef>
+              <a:spcAft>
+                <a:spcPct val="0"/>
+              </a:spcAft>
+              <a:defRPr sz="2400">
+                <a:solidFill>
+                  <a:schemeClr val="tx1"/>
+                </a:solidFill>
+                <a:latin typeface="Arial" charset="0"/>
+                <a:ea typeface="ＭＳ Ｐゴシック" charset="0"/>
+              </a:defRPr>
+            </a:lvl7pPr>
+            <a:lvl8pPr marL="3429000" indent="-228600" eaLnBrk="0" fontAlgn="base" hangingPunct="0">
+              <a:spcBef>
+                <a:spcPct val="0"/>
+              </a:spcBef>
+              <a:spcAft>
+                <a:spcPct val="0"/>
+              </a:spcAft>
+              <a:defRPr sz="2400">
+                <a:solidFill>
+                  <a:schemeClr val="tx1"/>
+                </a:solidFill>
+                <a:latin typeface="Arial" charset="0"/>
+                <a:ea typeface="ＭＳ Ｐゴシック" charset="0"/>
+              </a:defRPr>
+            </a:lvl8pPr>
+            <a:lvl9pPr marL="3886200" indent="-228600" eaLnBrk="0" fontAlgn="base" hangingPunct="0">
+              <a:spcBef>
+                <a:spcPct val="0"/>
+              </a:spcBef>
+              <a:spcAft>
+                <a:spcPct val="0"/>
+              </a:spcAft>
+              <a:defRPr sz="2400">
+                <a:solidFill>
+                  <a:schemeClr val="tx1"/>
+                </a:solidFill>
+                <a:latin typeface="Arial" charset="0"/>
+                <a:ea typeface="ＭＳ Ｐゴシック" charset="0"/>
+              </a:defRPr>
+            </a:lvl9pPr>
+          </a:lstStyle>
+          <a:p>
+            <a:pPr eaLnBrk="1" hangingPunct="1"/>
+            <a:fld id="{4CD1804C-6BED-FB40-84AD-30FAC63498E5}" type="datetime1">
+              <a:rPr lang="en-US" sz="1200" smtClean="0">
+                <a:latin typeface="Garamond" charset="0"/>
+              </a:rPr>
+              <a:t>10/11/2016</a:t>
+            </a:fld>
+            <a:endParaRPr lang="en-US" sz="1200">
+              <a:latin typeface="Garamond" charset="0"/>
+            </a:endParaRPr>
+          </a:p>
+        </p:txBody>
+      </p:sp>
+      <p:sp>
+        <p:nvSpPr>
+          <p:cNvPr id="5" name="Footer Placeholder 4"/>
+          <p:cNvSpPr>
+            <a:spLocks noGrp="1"/>
+          </p:cNvSpPr>
+          <p:nvPr>
+            <p:ph type="ftr" sz="quarter" idx="11"/>
+          </p:nvPr>
+        </p:nvSpPr>
+        <p:spPr/>
+        <p:txBody>
+          <a:bodyPr/>
+          <a:lstStyle/>
+          <a:p>
+            <a:pPr>
+              <a:defRPr/>
+            </a:pPr>
+            <a:r>
+              <a:rPr lang="en-US" altLang="en-US" smtClean="0"/>
+              <a:t>ECE Application Programming: Lecture 15</a:t>
+            </a:r>
+            <a:endParaRPr lang="en-US" altLang="en-US"/>
+          </a:p>
+        </p:txBody>
+      </p:sp>
+      <p:sp>
+        <p:nvSpPr>
+          <p:cNvPr id="23557" name="Slide Number Placeholder 5"/>
+          <p:cNvSpPr>
+            <a:spLocks noGrp="1"/>
+          </p:cNvSpPr>
+          <p:nvPr>
+            <p:ph type="sldNum" sz="quarter" idx="12"/>
+          </p:nvPr>
+        </p:nvSpPr>
+        <p:spPr>
+          <a:noFill/>
+          <a:ln/>
+          <a:extLst>
+            <a:ext uri="{909E8E84-426E-40DD-AFC4-6F175D3DCCD1}">
+              <a14:hiddenFill xmlns:a14="http://schemas.microsoft.com/office/drawing/2010/main">
+                <a:solidFill>
+                  <a:srgbClr val="FFFFFF"/>
+                </a:solidFill>
+              </a14:hiddenFill>
+            </a:ext>
+            <a:ext uri="{91240B29-F687-4F45-9708-019B960494DF}">
+              <a14:hiddenLine xmlns:a14="http://schemas.microsoft.com/office/drawing/2010/main" w="9525">
+                <a:solidFill>
+                  <a:srgbClr val="000000"/>
+                </a:solidFill>
+                <a:miter lim="800000"/>
+                <a:headEnd/>
+                <a:tailEnd/>
+              </a14:hiddenLine>
+            </a:ext>
+          </a:extLst>
+        </p:spPr>
+        <p:txBody>
+          <a:bodyPr/>
+          <a:lstStyle>
+            <a:lvl1pPr eaLnBrk="0" hangingPunct="0">
+              <a:defRPr sz="2400">
+                <a:solidFill>
+                  <a:schemeClr val="tx1"/>
+                </a:solidFill>
+                <a:latin typeface="Arial" charset="0"/>
+                <a:ea typeface="ＭＳ Ｐゴシック" charset="0"/>
+                <a:cs typeface="ＭＳ Ｐゴシック" charset="0"/>
+              </a:defRPr>
+            </a:lvl1pPr>
+            <a:lvl2pPr marL="742950" indent="-285750" eaLnBrk="0" hangingPunct="0">
+              <a:defRPr sz="2400">
+                <a:solidFill>
+                  <a:schemeClr val="tx1"/>
+                </a:solidFill>
+                <a:latin typeface="Arial" charset="0"/>
+                <a:ea typeface="ＭＳ Ｐゴシック" charset="0"/>
+              </a:defRPr>
+            </a:lvl2pPr>
+            <a:lvl3pPr marL="1143000" indent="-228600" eaLnBrk="0" hangingPunct="0">
+              <a:defRPr sz="2400">
+                <a:solidFill>
+                  <a:schemeClr val="tx1"/>
+                </a:solidFill>
+                <a:latin typeface="Arial" charset="0"/>
+                <a:ea typeface="ＭＳ Ｐゴシック" charset="0"/>
+              </a:defRPr>
+            </a:lvl3pPr>
+            <a:lvl4pPr marL="1600200" indent="-228600" eaLnBrk="0" hangingPunct="0">
+              <a:defRPr sz="2400">
+                <a:solidFill>
+                  <a:schemeClr val="tx1"/>
+                </a:solidFill>
+                <a:latin typeface="Arial" charset="0"/>
+                <a:ea typeface="ＭＳ Ｐゴシック" charset="0"/>
+              </a:defRPr>
+            </a:lvl4pPr>
+            <a:lvl5pPr marL="2057400" indent="-228600" eaLnBrk="0" hangingPunct="0">
+              <a:defRPr sz="2400">
+                <a:solidFill>
+                  <a:schemeClr val="tx1"/>
+                </a:solidFill>
+                <a:latin typeface="Arial" charset="0"/>
+                <a:ea typeface="ＭＳ Ｐゴシック" charset="0"/>
+              </a:defRPr>
+            </a:lvl5pPr>
+            <a:lvl6pPr marL="2514600" indent="-228600" eaLnBrk="0" fontAlgn="base" hangingPunct="0">
+              <a:spcBef>
+                <a:spcPct val="0"/>
+              </a:spcBef>
+              <a:spcAft>
+                <a:spcPct val="0"/>
+              </a:spcAft>
+              <a:defRPr sz="2400">
+                <a:solidFill>
+                  <a:schemeClr val="tx1"/>
+                </a:solidFill>
+                <a:latin typeface="Arial" charset="0"/>
+                <a:ea typeface="ＭＳ Ｐゴシック" charset="0"/>
+              </a:defRPr>
+            </a:lvl6pPr>
+            <a:lvl7pPr marL="2971800" indent="-228600" eaLnBrk="0" fontAlgn="base" hangingPunct="0">
+              <a:spcBef>
+                <a:spcPct val="0"/>
+              </a:spcBef>
+              <a:spcAft>
+                <a:spcPct val="0"/>
+              </a:spcAft>
+              <a:defRPr sz="2400">
+                <a:solidFill>
+                  <a:schemeClr val="tx1"/>
+                </a:solidFill>
+                <a:latin typeface="Arial" charset="0"/>
+                <a:ea typeface="ＭＳ Ｐゴシック" charset="0"/>
+              </a:defRPr>
+            </a:lvl7pPr>
+            <a:lvl8pPr marL="3429000" indent="-228600" eaLnBrk="0" fontAlgn="base" hangingPunct="0">
+              <a:spcBef>
+                <a:spcPct val="0"/>
+              </a:spcBef>
+              <a:spcAft>
+                <a:spcPct val="0"/>
+              </a:spcAft>
+              <a:defRPr sz="2400">
+                <a:solidFill>
+                  <a:schemeClr val="tx1"/>
+                </a:solidFill>
+                <a:latin typeface="Arial" charset="0"/>
+                <a:ea typeface="ＭＳ Ｐゴシック" charset="0"/>
+              </a:defRPr>
+            </a:lvl8pPr>
+            <a:lvl9pPr marL="3886200" indent="-228600" eaLnBrk="0" fontAlgn="base" hangingPunct="0">
+              <a:spcBef>
+                <a:spcPct val="0"/>
+              </a:spcBef>
+              <a:spcAft>
+                <a:spcPct val="0"/>
+              </a:spcAft>
+              <a:defRPr sz="2400">
+                <a:solidFill>
+                  <a:schemeClr val="tx1"/>
+                </a:solidFill>
+                <a:latin typeface="Arial" charset="0"/>
+                <a:ea typeface="ＭＳ Ｐゴシック" charset="0"/>
+              </a:defRPr>
+            </a:lvl9pPr>
+          </a:lstStyle>
+          <a:p>
+            <a:pPr eaLnBrk="1" hangingPunct="1"/>
+            <a:fld id="{D7F0D360-0832-184B-B5A4-554EC371029C}" type="slidenum">
+              <a:rPr lang="en-US" sz="1200">
+                <a:latin typeface="Garamond" charset="0"/>
+              </a:rPr>
+              <a:pPr eaLnBrk="1" hangingPunct="1"/>
+              <a:t>9</a:t>
+            </a:fld>
+            <a:endParaRPr lang="en-US" sz="1200">
+              <a:latin typeface="Garamond" charset="0"/>
+            </a:endParaRPr>
+          </a:p>
+        </p:txBody>
+      </p:sp>
+    </p:spTree>
+  </p:cSld>
+  <p:clrMapOvr>
+    <a:masterClrMapping/>
+  </p:clrMapOvr>
+  <p:timing>
+    <p:tnLst>
+      <p:par>
+        <p:cTn id="1" dur="indefinite" restart="never" nodeType="tmRoot"/>
       </p:par>
     </p:tnLst>
   </p:timing>
